--- a/docs/Gemfire Fundamentals.pptx
+++ b/docs/Gemfire Fundamentals.pptx
@@ -5,10 +5,10 @@
     <p:sldMasterId id="2147483671" r:id="rId1"/>
   </p:sldMasterIdLst>
   <p:notesMasterIdLst>
-    <p:notesMasterId r:id="rId37"/>
+    <p:notesMasterId r:id="rId36"/>
   </p:notesMasterIdLst>
   <p:handoutMasterIdLst>
-    <p:handoutMasterId r:id="rId38"/>
+    <p:handoutMasterId r:id="rId37"/>
   </p:handoutMasterIdLst>
   <p:sldIdLst>
     <p:sldId id="307" r:id="rId2"/>
@@ -35,17 +35,16 @@
     <p:sldId id="327" r:id="rId23"/>
     <p:sldId id="328" r:id="rId24"/>
     <p:sldId id="341" r:id="rId25"/>
-    <p:sldId id="342" r:id="rId26"/>
-    <p:sldId id="343" r:id="rId27"/>
-    <p:sldId id="357" r:id="rId28"/>
-    <p:sldId id="358" r:id="rId29"/>
-    <p:sldId id="359" r:id="rId30"/>
-    <p:sldId id="337" r:id="rId31"/>
-    <p:sldId id="346" r:id="rId32"/>
-    <p:sldId id="345" r:id="rId33"/>
-    <p:sldId id="349" r:id="rId34"/>
-    <p:sldId id="348" r:id="rId35"/>
-    <p:sldId id="339" r:id="rId36"/>
+    <p:sldId id="343" r:id="rId26"/>
+    <p:sldId id="357" r:id="rId27"/>
+    <p:sldId id="358" r:id="rId28"/>
+    <p:sldId id="359" r:id="rId29"/>
+    <p:sldId id="337" r:id="rId30"/>
+    <p:sldId id="346" r:id="rId31"/>
+    <p:sldId id="345" r:id="rId32"/>
+    <p:sldId id="349" r:id="rId33"/>
+    <p:sldId id="348" r:id="rId34"/>
+    <p:sldId id="339" r:id="rId35"/>
   </p:sldIdLst>
   <p:sldSz cx="9144000" cy="5143500" type="screen16x9"/>
   <p:notesSz cx="6934200" cy="9220200"/>
@@ -1089,7 +1088,19 @@
                 <a:latin typeface="+mn-lt"/>
                 <a:cs typeface="Arial"/>
               </a:rPr>
-              <a:t>2014 Pivotal Software,</a:t>
+              <a:t>2017 </a:t>
+            </a:r>
+            <a:r>
+              <a:rPr lang="en-US" sz="650" dirty="0" smtClean="0">
+                <a:solidFill>
+                  <a:schemeClr val="bg1">
+                    <a:lumMod val="50000"/>
+                  </a:schemeClr>
+                </a:solidFill>
+                <a:latin typeface="+mn-lt"/>
+                <a:cs typeface="Arial"/>
+              </a:rPr>
+              <a:t>Pivotal Software,</a:t>
             </a:r>
             <a:r>
               <a:rPr lang="en-US" sz="650" baseline="0" dirty="0" smtClean="0">
@@ -2592,7 +2603,19 @@
                 <a:latin typeface="+mn-lt"/>
                 <a:cs typeface="Arial"/>
               </a:rPr>
-              <a:t>2014 Pivotal Software,</a:t>
+              <a:t>2017 </a:t>
+            </a:r>
+            <a:r>
+              <a:rPr lang="en-US" sz="650" dirty="0" smtClean="0">
+                <a:solidFill>
+                  <a:schemeClr val="bg1">
+                    <a:lumMod val="50000"/>
+                  </a:schemeClr>
+                </a:solidFill>
+                <a:latin typeface="+mn-lt"/>
+                <a:cs typeface="Arial"/>
+              </a:rPr>
+              <a:t>Pivotal Software,</a:t>
             </a:r>
             <a:r>
               <a:rPr lang="en-US" sz="650" baseline="0" dirty="0" smtClean="0">
@@ -3205,7 +3228,19 @@
                 <a:latin typeface="+mn-lt"/>
                 <a:cs typeface="Arial"/>
               </a:rPr>
-              <a:t>2014 Pivotal Software,</a:t>
+              <a:t>2017 </a:t>
+            </a:r>
+            <a:r>
+              <a:rPr lang="en-US" sz="650" dirty="0" smtClean="0">
+                <a:solidFill>
+                  <a:schemeClr val="bg1">
+                    <a:lumMod val="50000"/>
+                  </a:schemeClr>
+                </a:solidFill>
+                <a:latin typeface="+mn-lt"/>
+                <a:cs typeface="Arial"/>
+              </a:rPr>
+              <a:t>Pivotal Software,</a:t>
             </a:r>
             <a:r>
               <a:rPr lang="en-US" sz="650" baseline="0" dirty="0" smtClean="0">
@@ -4491,7 +4526,7 @@
                 <a:latin typeface="+mn-lt"/>
                 <a:cs typeface="Arial"/>
               </a:rPr>
-              <a:t>2014 Pivotal Software,</a:t>
+              <a:t>2017 Pivotal Software,</a:t>
             </a:r>
             <a:r>
               <a:rPr lang="en-US" sz="650" baseline="0" dirty="0" smtClean="0">
@@ -6437,11 +6472,7 @@
           <a:p>
             <a:r>
               <a:rPr lang="en-US" baseline="0" dirty="0" smtClean="0"/>
-              <a:t>Optional </a:t>
-            </a:r>
-            <a:r>
-              <a:rPr lang="en-US" baseline="0" dirty="0" smtClean="0"/>
-              <a:t>caching</a:t>
+              <a:t>Optional caching</a:t>
             </a:r>
           </a:p>
           <a:p>
@@ -8327,58 +8358,18 @@
             </a:r>
           </a:p>
           <a:p>
-            <a:pPr>
+            <a:pPr lvl="0">
               <a:lnSpc>
                 <a:spcPct val="60000"/>
               </a:lnSpc>
             </a:pPr>
             <a:r>
               <a:rPr lang="en-US" sz="1800" dirty="0" smtClean="0"/>
-              <a:t>Peer-to-peer</a:t>
-            </a:r>
-          </a:p>
-          <a:p>
-            <a:pPr lvl="1">
-              <a:lnSpc>
-                <a:spcPct val="60000"/>
-              </a:lnSpc>
-            </a:pPr>
-            <a:r>
-              <a:rPr lang="en-US" sz="1400" dirty="0" smtClean="0"/>
-              <a:t>No clients</a:t>
-            </a:r>
-          </a:p>
-          <a:p>
-            <a:pPr lvl="1">
-              <a:lnSpc>
-                <a:spcPct val="60000"/>
-              </a:lnSpc>
-            </a:pPr>
-            <a:r>
-              <a:rPr lang="en-US" sz="1400" dirty="0" smtClean="0"/>
-              <a:t>No locator</a:t>
-            </a:r>
-          </a:p>
-          <a:p>
-            <a:pPr lvl="1">
-              <a:lnSpc>
-                <a:spcPct val="60000"/>
-              </a:lnSpc>
-            </a:pPr>
-            <a:r>
-              <a:rPr lang="en-US" sz="1400" dirty="0" smtClean="0"/>
-              <a:t>TCP Multi-cast for all communication</a:t>
-            </a:r>
-          </a:p>
-          <a:p>
-            <a:pPr lvl="0">
-              <a:lnSpc>
-                <a:spcPct val="60000"/>
-              </a:lnSpc>
-            </a:pPr>
+              <a:t>Stand</a:t>
+            </a:r>
             <a:r>
               <a:rPr lang="en-US" sz="1800" dirty="0" smtClean="0"/>
-              <a:t>Stand-alone Server</a:t>
+              <a:t>-alone Server</a:t>
             </a:r>
           </a:p>
           <a:p>
@@ -8794,7 +8785,7 @@
           <a:p>
             <a:r>
               <a:rPr lang="en-US" dirty="0" smtClean="0"/>
-              <a:t>Peer-to-peer Topology</a:t>
+              <a:t>Multi-site (WAN Gateway)</a:t>
             </a:r>
             <a:endParaRPr lang="en-US" dirty="0"/>
           </a:p>
@@ -8815,33 +8806,123 @@
           <a:bodyPr/>
           <a:lstStyle/>
           <a:p>
-            <a:r>
-              <a:rPr lang="en-US" dirty="0" smtClean="0"/>
-              <a:t>Rarely used</a:t>
-            </a:r>
-          </a:p>
-          <a:p>
-            <a:r>
-              <a:rPr lang="en-US" dirty="0" smtClean="0"/>
-              <a:t>Does not support network partition detection</a:t>
-            </a:r>
-          </a:p>
-          <a:p>
-            <a:r>
-              <a:rPr lang="en-US" dirty="0" smtClean="0"/>
-              <a:t>May be useful</a:t>
-            </a:r>
-            <a:r>
-              <a:rPr lang="en-US" baseline="0" dirty="0" smtClean="0"/>
-              <a:t> when there are a very large number of servers</a:t>
-            </a:r>
+            <a:pPr>
+              <a:lnSpc>
+                <a:spcPct val="70000"/>
+              </a:lnSpc>
+            </a:pPr>
+            <a:r>
+              <a:rPr lang="en-US" sz="2000" dirty="0" smtClean="0"/>
+              <a:t>Links</a:t>
+            </a:r>
+            <a:r>
+              <a:rPr lang="en-US" sz="2000" baseline="0" dirty="0" smtClean="0"/>
+              <a:t> separate distributed systems</a:t>
+            </a:r>
+          </a:p>
+          <a:p>
+            <a:pPr>
+              <a:lnSpc>
+                <a:spcPct val="70000"/>
+              </a:lnSpc>
+            </a:pPr>
+            <a:r>
+              <a:rPr lang="en-US" sz="2000" baseline="0" dirty="0" err="1" smtClean="0"/>
+              <a:t>Uni</a:t>
+            </a:r>
+            <a:r>
+              <a:rPr lang="en-US" sz="2000" baseline="0" dirty="0" smtClean="0"/>
+              <a:t>- or bi-directional</a:t>
+            </a:r>
+          </a:p>
+          <a:p>
+            <a:pPr>
+              <a:lnSpc>
+                <a:spcPct val="70000"/>
+              </a:lnSpc>
+            </a:pPr>
+            <a:r>
+              <a:rPr lang="en-US" sz="2000" baseline="0" dirty="0" smtClean="0"/>
+              <a:t>Serial or parallel configurations</a:t>
+            </a:r>
+          </a:p>
+          <a:p>
+            <a:pPr>
+              <a:lnSpc>
+                <a:spcPct val="70000"/>
+              </a:lnSpc>
+            </a:pPr>
+            <a:r>
+              <a:rPr lang="en-US" sz="2000" baseline="0" dirty="0" smtClean="0"/>
+              <a:t>Asynchronous communication via TCP</a:t>
+            </a:r>
+          </a:p>
+          <a:p>
+            <a:pPr>
+              <a:lnSpc>
+                <a:spcPct val="70000"/>
+              </a:lnSpc>
+            </a:pPr>
+            <a:r>
+              <a:rPr lang="en-US" sz="2000" baseline="0" dirty="0" smtClean="0"/>
+              <a:t>Queuing with optional persistence for fault tolerance</a:t>
+            </a:r>
+          </a:p>
+          <a:p>
+            <a:pPr>
+              <a:lnSpc>
+                <a:spcPct val="70000"/>
+              </a:lnSpc>
+            </a:pPr>
+            <a:r>
+              <a:rPr lang="en-US" sz="2000" baseline="0" dirty="0" smtClean="0"/>
+              <a:t>Can link 2 or more sites</a:t>
+            </a:r>
+          </a:p>
+          <a:p>
+            <a:pPr>
+              <a:lnSpc>
+                <a:spcPct val="70000"/>
+              </a:lnSpc>
+            </a:pPr>
+            <a:r>
+              <a:rPr lang="en-US" sz="2000" baseline="0" dirty="0" smtClean="0"/>
+              <a:t>Useful </a:t>
+            </a:r>
+            <a:r>
+              <a:rPr lang="en-US" sz="2000" baseline="0" dirty="0" smtClean="0"/>
+              <a:t>for DR</a:t>
+            </a:r>
+          </a:p>
+          <a:p>
+            <a:pPr>
+              <a:lnSpc>
+                <a:spcPct val="70000"/>
+              </a:lnSpc>
+            </a:pPr>
+            <a:r>
+              <a:rPr lang="en-US" sz="2000" baseline="0" dirty="0" smtClean="0"/>
+              <a:t>Useful for synchronizing data in disparate sites</a:t>
+            </a:r>
+          </a:p>
+          <a:p>
+            <a:pPr>
+              <a:lnSpc>
+                <a:spcPct val="70000"/>
+              </a:lnSpc>
+            </a:pPr>
+            <a:r>
+              <a:rPr lang="en-US" sz="2000" baseline="0" dirty="0" smtClean="0"/>
+              <a:t>Not good for active-active due to asynchronous communication</a:t>
+            </a:r>
+            <a:endParaRPr lang="en-US" sz="2000" dirty="0"/>
           </a:p>
         </p:txBody>
       </p:sp>
     </p:spTree>
     <p:extLst>
       <p:ext uri="{BB962C8B-B14F-4D97-AF65-F5344CB8AC3E}">
-        <p14:creationId xmlns:p14="http://schemas.microsoft.com/office/powerpoint/2010/main" val="648090786"/>
+        <p14:creationId xmlns:p14="http://schemas.microsoft.com/office/powerpoint/2010/main" val="472607118"/>
       </p:ext>
     </p:extLst>
   </p:cSld>
@@ -8888,7 +8969,7 @@
           <a:p>
             <a:r>
               <a:rPr lang="en-US" dirty="0" smtClean="0"/>
-              <a:t>Multi-site (WAN Gateway)</a:t>
+              <a:t>Serialization</a:t>
             </a:r>
             <a:endParaRPr lang="en-US" dirty="0"/>
           </a:p>
@@ -8906,138 +8987,87 @@
         </p:nvSpPr>
         <p:spPr/>
         <p:txBody>
-          <a:bodyPr/>
+          <a:bodyPr>
+            <a:normAutofit fontScale="92500" lnSpcReduction="10000"/>
+          </a:bodyPr>
           <a:lstStyle/>
           <a:p>
-            <a:pPr>
-              <a:lnSpc>
-                <a:spcPct val="70000"/>
-              </a:lnSpc>
-            </a:pPr>
-            <a:r>
-              <a:rPr lang="en-US" sz="2000" dirty="0" smtClean="0"/>
-              <a:t>Links</a:t>
-            </a:r>
-            <a:r>
-              <a:rPr lang="en-US" sz="2000" baseline="0" dirty="0" smtClean="0"/>
-              <a:t> separate distributed systems</a:t>
-            </a:r>
-          </a:p>
-          <a:p>
-            <a:pPr>
-              <a:lnSpc>
-                <a:spcPct val="70000"/>
-              </a:lnSpc>
-            </a:pPr>
-            <a:r>
-              <a:rPr lang="en-US" sz="2000" baseline="0" dirty="0" err="1" smtClean="0"/>
-              <a:t>Uni</a:t>
-            </a:r>
-            <a:r>
-              <a:rPr lang="en-US" sz="2000" baseline="0" dirty="0" smtClean="0"/>
-              <a:t>- or bi-directional</a:t>
-            </a:r>
-          </a:p>
-          <a:p>
-            <a:pPr>
-              <a:lnSpc>
-                <a:spcPct val="70000"/>
-              </a:lnSpc>
-            </a:pPr>
-            <a:r>
-              <a:rPr lang="en-US" sz="2000" baseline="0" dirty="0" smtClean="0"/>
-              <a:t>Serial or </a:t>
-            </a:r>
-            <a:r>
-              <a:rPr lang="en-US" sz="2000" baseline="0" smtClean="0"/>
-              <a:t>parallel configurations</a:t>
-            </a:r>
-            <a:endParaRPr lang="en-US" sz="2000" baseline="0" dirty="0" smtClean="0"/>
-          </a:p>
-          <a:p>
-            <a:pPr>
-              <a:lnSpc>
-                <a:spcPct val="70000"/>
-              </a:lnSpc>
-            </a:pPr>
-            <a:r>
-              <a:rPr lang="en-US" sz="2000" baseline="0" dirty="0" smtClean="0"/>
-              <a:t>Asynchronous communication via TCP</a:t>
-            </a:r>
-          </a:p>
-          <a:p>
-            <a:pPr>
-              <a:lnSpc>
-                <a:spcPct val="70000"/>
-              </a:lnSpc>
-            </a:pPr>
-            <a:r>
-              <a:rPr lang="en-US" sz="2000" baseline="0" dirty="0" smtClean="0"/>
-              <a:t>Queuing with optional persistence for fault tolerance</a:t>
-            </a:r>
-          </a:p>
-          <a:p>
-            <a:pPr>
-              <a:lnSpc>
-                <a:spcPct val="70000"/>
-              </a:lnSpc>
-            </a:pPr>
-            <a:r>
-              <a:rPr lang="en-US" sz="2000" baseline="0" dirty="0" smtClean="0"/>
-              <a:t>Can link 2 or more sites</a:t>
-            </a:r>
-          </a:p>
-          <a:p>
-            <a:pPr>
-              <a:lnSpc>
-                <a:spcPct val="70000"/>
-              </a:lnSpc>
-            </a:pPr>
-            <a:r>
-              <a:rPr lang="en-US" sz="2000" baseline="0" dirty="0" smtClean="0"/>
-              <a:t>Requires Locator</a:t>
-            </a:r>
-          </a:p>
-          <a:p>
-            <a:pPr>
-              <a:lnSpc>
-                <a:spcPct val="70000"/>
-              </a:lnSpc>
-            </a:pPr>
-            <a:r>
-              <a:rPr lang="en-US" sz="2000" baseline="0" dirty="0" smtClean="0"/>
-              <a:t>Useful for DR</a:t>
-            </a:r>
-          </a:p>
-          <a:p>
-            <a:pPr>
-              <a:lnSpc>
-                <a:spcPct val="70000"/>
-              </a:lnSpc>
-            </a:pPr>
-            <a:r>
-              <a:rPr lang="en-US" sz="2000" baseline="0" dirty="0" smtClean="0"/>
-              <a:t>Useful for synchronizing data in disparate sites</a:t>
-            </a:r>
-          </a:p>
-          <a:p>
-            <a:pPr>
-              <a:lnSpc>
-                <a:spcPct val="70000"/>
-              </a:lnSpc>
-            </a:pPr>
-            <a:r>
-              <a:rPr lang="en-US" sz="2000" baseline="0" dirty="0" smtClean="0"/>
-              <a:t>Not good for active-active due to asynchronous communication</a:t>
-            </a:r>
-            <a:endParaRPr lang="en-US" sz="2000" dirty="0"/>
+            <a:r>
+              <a:rPr lang="en-US" dirty="0" smtClean="0"/>
+              <a:t>3 serialization</a:t>
+            </a:r>
+            <a:r>
+              <a:rPr lang="en-US" baseline="0" dirty="0" smtClean="0"/>
+              <a:t> schemes:</a:t>
+            </a:r>
+          </a:p>
+          <a:p>
+            <a:pPr lvl="1"/>
+            <a:r>
+              <a:rPr lang="en-US" dirty="0" smtClean="0"/>
+              <a:t>PDX (Portable Data </a:t>
+            </a:r>
+            <a:r>
+              <a:rPr lang="en-US" dirty="0" err="1" smtClean="0"/>
+              <a:t>eXchange</a:t>
+            </a:r>
+            <a:r>
+              <a:rPr lang="en-US" dirty="0" smtClean="0"/>
+              <a:t>)</a:t>
+            </a:r>
+          </a:p>
+          <a:p>
+            <a:pPr lvl="1"/>
+            <a:r>
+              <a:rPr lang="en-US" dirty="0" smtClean="0"/>
+              <a:t>DataSerializable/Delta</a:t>
+            </a:r>
+          </a:p>
+          <a:p>
+            <a:pPr lvl="1"/>
+            <a:r>
+              <a:rPr lang="en-US" dirty="0" smtClean="0"/>
+              <a:t>Java serialization</a:t>
+            </a:r>
+          </a:p>
+          <a:p>
+            <a:pPr lvl="0"/>
+            <a:r>
+              <a:rPr lang="en-US" baseline="0" dirty="0" smtClean="0"/>
+              <a:t>PDX: fast, efficient, supports schema evolution, no code</a:t>
+            </a:r>
+          </a:p>
+          <a:p>
+            <a:pPr lvl="0"/>
+            <a:r>
+              <a:rPr lang="en-US" baseline="0" dirty="0" smtClean="0"/>
+              <a:t>DataSerializable/Delta: older technique, very efficient but requires explicit code</a:t>
+            </a:r>
+          </a:p>
+          <a:p>
+            <a:pPr lvl="0"/>
+            <a:r>
+              <a:rPr lang="en-US" dirty="0" smtClean="0"/>
+              <a:t>Java serialization: slow,</a:t>
+            </a:r>
+            <a:r>
+              <a:rPr lang="en-US" baseline="0" dirty="0" smtClean="0"/>
+              <a:t> inefficient, no schema evolution</a:t>
+            </a:r>
+          </a:p>
+          <a:p>
+            <a:pPr lvl="0"/>
+            <a:r>
+              <a:rPr lang="en-US" baseline="0" dirty="0" smtClean="0"/>
+              <a:t>Can use all three simultaneously</a:t>
+            </a:r>
           </a:p>
         </p:txBody>
       </p:sp>
     </p:spTree>
     <p:extLst>
       <p:ext uri="{BB962C8B-B14F-4D97-AF65-F5344CB8AC3E}">
-        <p14:creationId xmlns:p14="http://schemas.microsoft.com/office/powerpoint/2010/main" val="472607118"/>
+        <p14:creationId xmlns:p14="http://schemas.microsoft.com/office/powerpoint/2010/main" val="4082436636"/>
       </p:ext>
     </p:extLst>
   </p:cSld>
@@ -9084,7 +9114,7 @@
           <a:p>
             <a:r>
               <a:rPr lang="en-US" dirty="0" smtClean="0"/>
-              <a:t>Serialization</a:t>
+              <a:t>PDX</a:t>
             </a:r>
             <a:endParaRPr lang="en-US" dirty="0"/>
           </a:p>
@@ -9103,78 +9133,71 @@
         <p:spPr/>
         <p:txBody>
           <a:bodyPr>
-            <a:normAutofit fontScale="92500" lnSpcReduction="10000"/>
+            <a:normAutofit fontScale="55000" lnSpcReduction="20000"/>
           </a:bodyPr>
           <a:lstStyle/>
           <a:p>
             <a:r>
               <a:rPr lang="en-US" dirty="0" smtClean="0"/>
-              <a:t>3 serialization</a:t>
+              <a:t>Stores</a:t>
             </a:r>
             <a:r>
               <a:rPr lang="en-US" baseline="0" dirty="0" smtClean="0"/>
-              <a:t> schemes:</a:t>
-            </a:r>
-          </a:p>
-          <a:p>
-            <a:pPr lvl="1"/>
-            <a:r>
-              <a:rPr lang="en-US" dirty="0" smtClean="0"/>
-              <a:t>PDX (Portable Data </a:t>
-            </a:r>
-            <a:r>
-              <a:rPr lang="en-US" dirty="0" err="1" smtClean="0"/>
-              <a:t>eXchange</a:t>
-            </a:r>
-            <a:r>
-              <a:rPr lang="en-US" dirty="0" smtClean="0"/>
-              <a:t>)</a:t>
-            </a:r>
-          </a:p>
-          <a:p>
-            <a:pPr lvl="1"/>
-            <a:r>
-              <a:rPr lang="en-US" dirty="0" smtClean="0"/>
-              <a:t>DataSerializable/Delta</a:t>
-            </a:r>
-          </a:p>
-          <a:p>
-            <a:pPr lvl="1"/>
-            <a:r>
-              <a:rPr lang="en-US" dirty="0" smtClean="0"/>
-              <a:t>Java serialization</a:t>
-            </a:r>
-          </a:p>
-          <a:p>
-            <a:pPr lvl="0"/>
+              <a:t> as name-value pairs</a:t>
+            </a:r>
+          </a:p>
+          <a:p>
             <a:r>
               <a:rPr lang="en-US" baseline="0" dirty="0" smtClean="0"/>
-              <a:t>PDX: fast, efficient, supports schema evolution, no code</a:t>
-            </a:r>
-          </a:p>
-          <a:p>
-            <a:pPr lvl="0"/>
+              <a:t>Supports schema versions and evolution</a:t>
+            </a:r>
+          </a:p>
+          <a:p>
             <a:r>
               <a:rPr lang="en-US" baseline="0" dirty="0" smtClean="0"/>
-              <a:t>DataSerializable/Delta: older technique, very efficient but requires explicit code</a:t>
-            </a:r>
-          </a:p>
-          <a:p>
-            <a:pPr lvl="0"/>
-            <a:r>
-              <a:rPr lang="en-US" dirty="0" smtClean="0"/>
-              <a:t>Java serialization: slow,</a:t>
-            </a:r>
+              <a:t>Metadata stored on disk, maps fields into indexes</a:t>
+            </a:r>
+          </a:p>
+          <a:p>
             <a:r>
               <a:rPr lang="en-US" baseline="0" dirty="0" smtClean="0"/>
-              <a:t> inefficient, no schema evolution</a:t>
-            </a:r>
-          </a:p>
-          <a:p>
-            <a:pPr lvl="0"/>
+              <a:t>Works with disk stores, network transfer, and WAN Gateway</a:t>
+            </a:r>
+          </a:p>
+          <a:p>
             <a:r>
               <a:rPr lang="en-US" baseline="0" dirty="0" smtClean="0"/>
-              <a:t>Can use all three simultaneously</a:t>
+              <a:t>ReflectionBaseAutoSerializer: no code, uses reflection</a:t>
+            </a:r>
+          </a:p>
+          <a:p>
+            <a:r>
+              <a:rPr lang="en-US" baseline="0" dirty="0" smtClean="0"/>
+              <a:t>Very fast and efficient</a:t>
+            </a:r>
+          </a:p>
+          <a:p>
+            <a:r>
+              <a:rPr lang="en-US" baseline="0" dirty="0" smtClean="0"/>
+              <a:t>Can write custom serializers</a:t>
+            </a:r>
+          </a:p>
+          <a:p>
+            <a:r>
+              <a:rPr lang="en-US" baseline="0" dirty="0" smtClean="0"/>
+              <a:t>Domain objects can implement PdxSerializable</a:t>
+            </a:r>
+          </a:p>
+          <a:p>
+            <a:r>
+              <a:rPr lang="en-US" baseline="0" dirty="0" smtClean="0"/>
+              <a:t>PdxInstance eliminates the need for any domain objects at all when used with read-serialized=true</a:t>
+            </a:r>
+          </a:p>
+          <a:p>
+            <a:r>
+              <a:rPr lang="en-US" baseline="0" dirty="0" smtClean="0"/>
+              <a:t>Easily the best option for most situations</a:t>
             </a:r>
           </a:p>
         </p:txBody>
@@ -9182,7 +9205,7 @@
     </p:spTree>
     <p:extLst>
       <p:ext uri="{BB962C8B-B14F-4D97-AF65-F5344CB8AC3E}">
-        <p14:creationId xmlns:p14="http://schemas.microsoft.com/office/powerpoint/2010/main" val="4082436636"/>
+        <p14:creationId xmlns:p14="http://schemas.microsoft.com/office/powerpoint/2010/main" val="2408817137"/>
       </p:ext>
     </p:extLst>
   </p:cSld>
@@ -9229,7 +9252,7 @@
           <a:p>
             <a:r>
               <a:rPr lang="en-US" dirty="0" smtClean="0"/>
-              <a:t>PDX</a:t>
+              <a:t>DataSerializable/Delta</a:t>
             </a:r>
             <a:endParaRPr lang="en-US" dirty="0"/>
           </a:p>
@@ -9247,72 +9270,34 @@
         </p:nvSpPr>
         <p:spPr/>
         <p:txBody>
-          <a:bodyPr>
-            <a:normAutofit fontScale="55000" lnSpcReduction="20000"/>
-          </a:bodyPr>
+          <a:bodyPr/>
           <a:lstStyle/>
           <a:p>
             <a:r>
               <a:rPr lang="en-US" dirty="0" smtClean="0"/>
-              <a:t>Stores</a:t>
+              <a:t>Older technique</a:t>
+            </a:r>
+          </a:p>
+          <a:p>
+            <a:r>
+              <a:rPr lang="en-US" dirty="0" smtClean="0"/>
+              <a:t>Extremely</a:t>
             </a:r>
             <a:r>
               <a:rPr lang="en-US" baseline="0" dirty="0" smtClean="0"/>
-              <a:t> as name-value pairs</a:t>
+              <a:t> fast and efficient</a:t>
             </a:r>
           </a:p>
           <a:p>
             <a:r>
               <a:rPr lang="en-US" baseline="0" dirty="0" smtClean="0"/>
-              <a:t>Supports schema versions and evolution</a:t>
+              <a:t>Must write custom serialization code</a:t>
             </a:r>
           </a:p>
           <a:p>
             <a:r>
               <a:rPr lang="en-US" baseline="0" dirty="0" smtClean="0"/>
-              <a:t>Metadata stored on disk, maps fields into indexes</a:t>
-            </a:r>
-          </a:p>
-          <a:p>
-            <a:r>
-              <a:rPr lang="en-US" baseline="0" dirty="0" smtClean="0"/>
-              <a:t>Works with disk stores, network transfer, and WAN Gateway</a:t>
-            </a:r>
-          </a:p>
-          <a:p>
-            <a:r>
-              <a:rPr lang="en-US" baseline="0" dirty="0" smtClean="0"/>
-              <a:t>ReflectionBaseAutoSerializer: no code, uses reflection</a:t>
-            </a:r>
-          </a:p>
-          <a:p>
-            <a:r>
-              <a:rPr lang="en-US" baseline="0" dirty="0" smtClean="0"/>
-              <a:t>Very fast and efficient</a:t>
-            </a:r>
-          </a:p>
-          <a:p>
-            <a:r>
-              <a:rPr lang="en-US" baseline="0" dirty="0" smtClean="0"/>
-              <a:t>Can write custom serializers</a:t>
-            </a:r>
-          </a:p>
-          <a:p>
-            <a:r>
-              <a:rPr lang="en-US" baseline="0" dirty="0" smtClean="0"/>
-              <a:t>Domain objects can implement PdxSerializable</a:t>
-            </a:r>
-          </a:p>
-          <a:p>
-            <a:r>
-              <a:rPr lang="en-US" baseline="0" dirty="0" smtClean="0"/>
-              <a:t>PdxInstance eliminates the need for any domain objects at all when used with read-serialized=true</a:t>
-            </a:r>
-          </a:p>
-          <a:p>
-            <a:r>
-              <a:rPr lang="en-US" baseline="0" dirty="0" smtClean="0"/>
-              <a:t>Easily the best option for most situations</a:t>
+              <a:t>Delta interface allows only changed data to be serialized for network transfers</a:t>
             </a:r>
           </a:p>
         </p:txBody>
@@ -9320,7 +9305,7 @@
     </p:spTree>
     <p:extLst>
       <p:ext uri="{BB962C8B-B14F-4D97-AF65-F5344CB8AC3E}">
-        <p14:creationId xmlns:p14="http://schemas.microsoft.com/office/powerpoint/2010/main" val="2408817137"/>
+        <p14:creationId xmlns:p14="http://schemas.microsoft.com/office/powerpoint/2010/main" val="3171496640"/>
       </p:ext>
     </p:extLst>
   </p:cSld>
@@ -9367,7 +9352,11 @@
           <a:p>
             <a:r>
               <a:rPr lang="en-US" dirty="0" smtClean="0"/>
-              <a:t>DataSerializable/Delta</a:t>
+              <a:t>API</a:t>
+            </a:r>
+            <a:r>
+              <a:rPr lang="en-US" baseline="0" dirty="0" smtClean="0"/>
+              <a:t> – Region</a:t>
             </a:r>
             <a:endParaRPr lang="en-US" dirty="0"/>
           </a:p>
@@ -9383,44 +9372,254 @@
             <p:ph sz="quarter" idx="10"/>
           </p:nvPr>
         </p:nvSpPr>
-        <p:spPr/>
+        <p:spPr>
+          <a:xfrm>
+            <a:off x="366714" y="1074738"/>
+            <a:ext cx="8410575" cy="3378436"/>
+          </a:xfrm>
+        </p:spPr>
         <p:txBody>
-          <a:bodyPr/>
+          <a:bodyPr>
+            <a:normAutofit fontScale="92500"/>
+          </a:bodyPr>
           <a:lstStyle/>
           <a:p>
             <a:r>
               <a:rPr lang="en-US" dirty="0" smtClean="0"/>
-              <a:t>Older technique</a:t>
-            </a:r>
+              <a:t>Extends </a:t>
+            </a:r>
+            <a:r>
+              <a:rPr lang="en-US" sz="1800" dirty="0" err="1" smtClean="0">
+                <a:latin typeface="Inconsolata"/>
+                <a:cs typeface="Inconsolata"/>
+              </a:rPr>
+              <a:t>java.util.Map</a:t>
+            </a:r>
+            <a:r>
+              <a:rPr lang="en-US" sz="1800" dirty="0" smtClean="0">
+                <a:latin typeface="Inconsolata"/>
+                <a:cs typeface="Inconsolata"/>
+              </a:rPr>
+              <a:t>, </a:t>
+            </a:r>
+            <a:r>
+              <a:rPr lang="en-US" sz="1800" dirty="0" err="1" smtClean="0">
+                <a:latin typeface="Inconsolata"/>
+                <a:cs typeface="Inconsolata"/>
+              </a:rPr>
+              <a:t>java.util.concurrent.ConcurrentMap</a:t>
+            </a:r>
+            <a:endParaRPr lang="en-US" sz="1800" dirty="0" smtClean="0">
+              <a:latin typeface="Inconsolata"/>
+              <a:cs typeface="Inconsolata"/>
+            </a:endParaRPr>
           </a:p>
           <a:p>
             <a:r>
               <a:rPr lang="en-US" dirty="0" smtClean="0"/>
-              <a:t>Extremely</a:t>
+              <a:t>Same</a:t>
             </a:r>
             <a:r>
               <a:rPr lang="en-US" baseline="0" dirty="0" smtClean="0"/>
-              <a:t> fast and efficient</a:t>
+              <a:t> for both server and client</a:t>
             </a:r>
           </a:p>
           <a:p>
             <a:r>
               <a:rPr lang="en-US" baseline="0" dirty="0" smtClean="0"/>
-              <a:t>Must write custom serialization code</a:t>
-            </a:r>
-          </a:p>
-          <a:p>
+              <a:t>Key class must have </a:t>
+            </a:r>
+            <a:r>
+              <a:rPr lang="en-US" sz="2000" baseline="0" dirty="0" err="1" smtClean="0">
+                <a:latin typeface="Inconsolata"/>
+                <a:cs typeface="Inconsolata"/>
+              </a:rPr>
+              <a:t>hashCode</a:t>
+            </a:r>
             <a:r>
               <a:rPr lang="en-US" baseline="0" dirty="0" smtClean="0"/>
-              <a:t>Delta interface allows only changed data to be serialized for network transfers</a:t>
-            </a:r>
+              <a:t> and </a:t>
+            </a:r>
+            <a:r>
+              <a:rPr lang="en-US" sz="2000" baseline="0" dirty="0" smtClean="0">
+                <a:latin typeface="Inconsolata"/>
+                <a:cs typeface="Inconsolata"/>
+              </a:rPr>
+              <a:t>equals</a:t>
+            </a:r>
+            <a:r>
+              <a:rPr lang="en-US" dirty="0"/>
+              <a:t> </a:t>
+            </a:r>
+            <a:r>
+              <a:rPr lang="en-US" dirty="0" smtClean="0"/>
+              <a:t>methods</a:t>
+            </a:r>
+            <a:r>
+              <a:rPr lang="en-US" baseline="0" dirty="0" smtClean="0"/>
+              <a:t>, like </a:t>
+            </a:r>
+            <a:r>
+              <a:rPr lang="en-US" baseline="0" dirty="0" err="1" smtClean="0"/>
+              <a:t>HashMap</a:t>
+            </a:r>
+            <a:endParaRPr lang="en-US" baseline="0" dirty="0" smtClean="0"/>
+          </a:p>
+          <a:p>
+            <a:r>
+              <a:rPr lang="en-US" baseline="0" dirty="0" smtClean="0"/>
+              <a:t>Some behavior differs based on region type (clear, </a:t>
+            </a:r>
+            <a:r>
+              <a:rPr lang="en-US" baseline="0" dirty="0" err="1" smtClean="0"/>
+              <a:t>getAll</a:t>
+            </a:r>
+            <a:r>
+              <a:rPr lang="en-US" baseline="0" dirty="0" smtClean="0"/>
+              <a:t>)</a:t>
+            </a:r>
+          </a:p>
+          <a:p>
+            <a:r>
+              <a:rPr lang="en-US" baseline="0" dirty="0" smtClean="0"/>
+              <a:t>Easy to use – no ORM</a:t>
+            </a:r>
+          </a:p>
+          <a:p>
+            <a:pPr marL="514350" lvl="1" indent="0">
+              <a:buNone/>
+            </a:pPr>
+            <a:r>
+              <a:rPr lang="en-US" sz="1200" dirty="0" smtClean="0">
+                <a:latin typeface="Inconsolata"/>
+                <a:cs typeface="Inconsolata"/>
+              </a:rPr>
+              <a:t>Region&lt;</a:t>
+            </a:r>
+            <a:r>
+              <a:rPr lang="en-US" sz="1200" dirty="0" err="1" smtClean="0">
+                <a:latin typeface="Inconsolata"/>
+                <a:cs typeface="Inconsolata"/>
+              </a:rPr>
+              <a:t>String,String</a:t>
+            </a:r>
+            <a:r>
+              <a:rPr lang="en-US" sz="1200" dirty="0" smtClean="0">
+                <a:latin typeface="Inconsolata"/>
+                <a:cs typeface="Inconsolata"/>
+              </a:rPr>
+              <a:t>&gt; r = </a:t>
+            </a:r>
+            <a:r>
+              <a:rPr lang="en-US" sz="1200" dirty="0" err="1" smtClean="0">
+                <a:latin typeface="Inconsolata"/>
+                <a:cs typeface="Inconsolata"/>
+              </a:rPr>
+              <a:t>cache.getRegion</a:t>
+            </a:r>
+            <a:r>
+              <a:rPr lang="en-US" sz="1200" dirty="0" smtClean="0">
+                <a:latin typeface="Inconsolata"/>
+                <a:cs typeface="Inconsolata"/>
+              </a:rPr>
+              <a:t>(“</a:t>
+            </a:r>
+            <a:r>
+              <a:rPr lang="en-US" sz="1200" dirty="0" err="1" smtClean="0">
+                <a:latin typeface="Inconsolata"/>
+                <a:cs typeface="Inconsolata"/>
+              </a:rPr>
+              <a:t>someRegion</a:t>
+            </a:r>
+            <a:r>
+              <a:rPr lang="en-US" sz="1200" dirty="0" smtClean="0">
+                <a:latin typeface="Inconsolata"/>
+                <a:cs typeface="Inconsolata"/>
+              </a:rPr>
+              <a:t>”);</a:t>
+            </a:r>
+          </a:p>
+          <a:p>
+            <a:pPr marL="514350" lvl="1" indent="0">
+              <a:buNone/>
+            </a:pPr>
+            <a:r>
+              <a:rPr lang="en-US" sz="1200" dirty="0" err="1" smtClean="0">
+                <a:latin typeface="Inconsolata"/>
+                <a:cs typeface="Inconsolata"/>
+              </a:rPr>
+              <a:t>r.put</a:t>
+            </a:r>
+            <a:r>
+              <a:rPr lang="en-US" sz="1200" dirty="0" smtClean="0">
+                <a:latin typeface="Inconsolata"/>
+                <a:cs typeface="Inconsolata"/>
+              </a:rPr>
+              <a:t>(“</a:t>
+            </a:r>
+            <a:r>
+              <a:rPr lang="en-US" sz="1200" dirty="0" err="1" smtClean="0">
+                <a:latin typeface="Inconsolata"/>
+                <a:cs typeface="Inconsolata"/>
+              </a:rPr>
+              <a:t>key”,”value</a:t>
+            </a:r>
+            <a:r>
+              <a:rPr lang="en-US" sz="1200" dirty="0" smtClean="0">
+                <a:latin typeface="Inconsolata"/>
+                <a:cs typeface="Inconsolata"/>
+              </a:rPr>
+              <a:t>”);</a:t>
+            </a:r>
+          </a:p>
+          <a:p>
+            <a:pPr marL="514350" lvl="1" indent="0">
+              <a:buNone/>
+            </a:pPr>
+            <a:r>
+              <a:rPr lang="en-US" sz="1200" dirty="0" err="1" smtClean="0">
+                <a:latin typeface="Inconsolata"/>
+                <a:cs typeface="Inconsolata"/>
+              </a:rPr>
+              <a:t>r.get</a:t>
+            </a:r>
+            <a:r>
+              <a:rPr lang="en-US" sz="1200" dirty="0" smtClean="0">
+                <a:latin typeface="Inconsolata"/>
+                <a:cs typeface="Inconsolata"/>
+              </a:rPr>
+              <a:t>(“key”);</a:t>
+            </a:r>
+          </a:p>
+          <a:p>
+            <a:pPr marL="514350" lvl="1" indent="0">
+              <a:buNone/>
+            </a:pPr>
+            <a:r>
+              <a:rPr lang="en-US" sz="1200" dirty="0" err="1" smtClean="0">
+                <a:latin typeface="Inconsolata"/>
+                <a:cs typeface="Inconsolata"/>
+              </a:rPr>
+              <a:t>r.remove</a:t>
+            </a:r>
+            <a:r>
+              <a:rPr lang="en-US" sz="1200" dirty="0" smtClean="0">
+                <a:latin typeface="Inconsolata"/>
+                <a:cs typeface="Inconsolata"/>
+              </a:rPr>
+              <a:t>(“key”);</a:t>
+            </a:r>
+            <a:endParaRPr lang="en-US" sz="1200" dirty="0">
+              <a:latin typeface="Inconsolata"/>
+              <a:cs typeface="Inconsolata"/>
+            </a:endParaRPr>
           </a:p>
         </p:txBody>
       </p:sp>
     </p:spTree>
     <p:extLst>
       <p:ext uri="{BB962C8B-B14F-4D97-AF65-F5344CB8AC3E}">
-        <p14:creationId xmlns:p14="http://schemas.microsoft.com/office/powerpoint/2010/main" val="3171496640"/>
+        <p14:creationId xmlns:p14="http://schemas.microsoft.com/office/powerpoint/2010/main" val="2782280750"/>
       </p:ext>
     </p:extLst>
   </p:cSld>
@@ -9708,50 +9907,21 @@
             </a:r>
           </a:p>
           <a:p>
-            <a:pPr marL="228600" marR="0" indent="-228600" algn="l" defTabSz="914400" rtl="0" eaLnBrk="1" fontAlgn="auto" latinLnBrk="0" hangingPunct="1">
+            <a:pPr>
               <a:lnSpc>
                 <a:spcPct val="70000"/>
               </a:lnSpc>
               <a:spcBef>
                 <a:spcPts val="600"/>
               </a:spcBef>
-              <a:spcAft>
-                <a:spcPts val="0"/>
-              </a:spcAft>
-              <a:buClr>
-                <a:schemeClr val="accent1"/>
-              </a:buClr>
-              <a:buSzTx/>
-              <a:buFont typeface="Wingdings" pitchFamily="2" charset="2"/>
-              <a:buChar char=""/>
-              <a:tabLst/>
-              <a:defRPr/>
-            </a:pPr>
-            <a:r>
-              <a:rPr lang="en-US" sz="1400" kern="1200" baseline="0" dirty="0" smtClean="0">
-                <a:solidFill>
-                  <a:schemeClr val="tx1"/>
-                </a:solidFill>
-                <a:effectLst/>
-              </a:rPr>
-              <a:t>Peer-to-peer or client/server topologies</a:t>
-            </a:r>
-            <a:endParaRPr lang="en-US" sz="1400" dirty="0" smtClean="0">
-              <a:effectLst/>
-            </a:endParaRPr>
-          </a:p>
-          <a:p>
-            <a:pPr>
-              <a:lnSpc>
-                <a:spcPct val="70000"/>
-              </a:lnSpc>
-              <a:spcBef>
-                <a:spcPts val="600"/>
-              </a:spcBef>
             </a:pPr>
             <a:r>
               <a:rPr lang="en-US" sz="1400" baseline="0" dirty="0" smtClean="0"/>
-              <a:t>Mature and stable (in production use since 2004)</a:t>
+              <a:t>Mature </a:t>
+            </a:r>
+            <a:r>
+              <a:rPr lang="en-US" sz="1400" baseline="0" dirty="0" smtClean="0"/>
+              <a:t>and stable (in production use since 2004)</a:t>
             </a:r>
           </a:p>
         </p:txBody>
@@ -9808,11 +9978,7 @@
           <a:p>
             <a:r>
               <a:rPr lang="en-US" dirty="0" smtClean="0"/>
-              <a:t>API</a:t>
-            </a:r>
-            <a:r>
-              <a:rPr lang="en-US" baseline="0" dirty="0" smtClean="0"/>
-              <a:t> – Region</a:t>
+              <a:t>API – Function: Example</a:t>
             </a:r>
             <a:endParaRPr lang="en-US" dirty="0"/>
           </a:p>
@@ -9830,252 +9996,823 @@
         </p:nvSpPr>
         <p:spPr>
           <a:xfrm>
-            <a:off x="366714" y="1074738"/>
-            <a:ext cx="8410575" cy="3378436"/>
+            <a:off x="366714" y="882573"/>
+            <a:ext cx="8410575" cy="3553892"/>
           </a:xfrm>
         </p:spPr>
         <p:txBody>
           <a:bodyPr>
-            <a:normAutofit fontScale="92500"/>
+            <a:normAutofit lnSpcReduction="10000"/>
           </a:bodyPr>
           <a:lstStyle/>
           <a:p>
-            <a:r>
-              <a:rPr lang="en-US" dirty="0" smtClean="0"/>
-              <a:t>Extends </a:t>
-            </a:r>
-            <a:r>
-              <a:rPr lang="en-US" sz="1800" dirty="0" err="1" smtClean="0">
-                <a:latin typeface="Inconsolata"/>
-                <a:cs typeface="Inconsolata"/>
-              </a:rPr>
-              <a:t>java.util.Map</a:t>
-            </a:r>
-            <a:r>
-              <a:rPr lang="en-US" sz="1800" dirty="0" smtClean="0">
-                <a:latin typeface="Inconsolata"/>
-                <a:cs typeface="Inconsolata"/>
-              </a:rPr>
-              <a:t>, </a:t>
-            </a:r>
-            <a:r>
-              <a:rPr lang="en-US" sz="1800" dirty="0" err="1" smtClean="0">
-                <a:latin typeface="Inconsolata"/>
-                <a:cs typeface="Inconsolata"/>
-              </a:rPr>
-              <a:t>java.util.concurrent.ConcurrentMap</a:t>
-            </a:r>
-            <a:endParaRPr lang="en-US" sz="1800" dirty="0" smtClean="0">
-              <a:latin typeface="Inconsolata"/>
-              <a:cs typeface="Inconsolata"/>
-            </a:endParaRPr>
-          </a:p>
-          <a:p>
-            <a:r>
-              <a:rPr lang="en-US" dirty="0" smtClean="0"/>
-              <a:t>Same</a:t>
-            </a:r>
-            <a:r>
-              <a:rPr lang="en-US" baseline="0" dirty="0" smtClean="0"/>
-              <a:t> for both server and client</a:t>
-            </a:r>
-          </a:p>
-          <a:p>
-            <a:r>
-              <a:rPr lang="en-US" baseline="0" dirty="0" smtClean="0"/>
-              <a:t>Key class must have </a:t>
-            </a:r>
-            <a:r>
-              <a:rPr lang="en-US" sz="2000" baseline="0" dirty="0" err="1" smtClean="0">
-                <a:latin typeface="Inconsolata"/>
-                <a:cs typeface="Inconsolata"/>
-              </a:rPr>
-              <a:t>hashCode</a:t>
-            </a:r>
-            <a:r>
-              <a:rPr lang="en-US" baseline="0" dirty="0" smtClean="0"/>
-              <a:t> and </a:t>
-            </a:r>
-            <a:r>
-              <a:rPr lang="en-US" sz="2000" baseline="0" dirty="0" smtClean="0">
-                <a:latin typeface="Inconsolata"/>
-                <a:cs typeface="Inconsolata"/>
-              </a:rPr>
-              <a:t>equals</a:t>
-            </a:r>
-            <a:r>
-              <a:rPr lang="en-US" dirty="0"/>
+            <a:pPr marL="0" indent="0">
+              <a:spcBef>
+                <a:spcPts val="0"/>
+              </a:spcBef>
+              <a:buNone/>
+            </a:pPr>
+            <a:r>
+              <a:rPr lang="en-US" sz="1000" dirty="0">
+                <a:latin typeface="Inconsolata"/>
+                <a:cs typeface="Inconsolata"/>
+              </a:rPr>
+              <a:t>p</a:t>
+            </a:r>
+            <a:r>
+              <a:rPr lang="en-US" sz="1000" dirty="0" smtClean="0">
+                <a:latin typeface="Inconsolata"/>
+                <a:cs typeface="Inconsolata"/>
+              </a:rPr>
+              <a:t>ublic class </a:t>
+            </a:r>
+            <a:r>
+              <a:rPr lang="en-US" sz="1000" dirty="0" err="1" smtClean="0">
+                <a:latin typeface="Inconsolata"/>
+                <a:cs typeface="Inconsolata"/>
+              </a:rPr>
+              <a:t>MyFunction</a:t>
+            </a:r>
+            <a:r>
+              <a:rPr lang="en-US" sz="1000" dirty="0" smtClean="0">
+                <a:latin typeface="Inconsolata"/>
+                <a:cs typeface="Inconsolata"/>
+              </a:rPr>
+              <a:t> implements Function {</a:t>
+            </a:r>
+          </a:p>
+          <a:p>
+            <a:pPr marL="0" indent="0">
+              <a:spcBef>
+                <a:spcPts val="0"/>
+              </a:spcBef>
+              <a:buNone/>
+            </a:pPr>
+            <a:r>
+              <a:rPr lang="en-US" sz="1000" dirty="0">
+                <a:latin typeface="Inconsolata"/>
+                <a:cs typeface="Inconsolata"/>
+              </a:rPr>
               <a:t> </a:t>
             </a:r>
             <a:r>
-              <a:rPr lang="en-US" dirty="0" smtClean="0"/>
-              <a:t>methods</a:t>
-            </a:r>
-            <a:r>
-              <a:rPr lang="en-US" baseline="0" dirty="0" smtClean="0"/>
-              <a:t>, like </a:t>
-            </a:r>
-            <a:r>
-              <a:rPr lang="en-US" baseline="0" dirty="0" err="1" smtClean="0"/>
-              <a:t>HashMap</a:t>
-            </a:r>
-            <a:endParaRPr lang="en-US" baseline="0" dirty="0" smtClean="0"/>
-          </a:p>
-          <a:p>
-            <a:r>
-              <a:rPr lang="en-US" baseline="0" dirty="0" smtClean="0"/>
-              <a:t>Some behavior differs based on region type (clear, </a:t>
-            </a:r>
-            <a:r>
-              <a:rPr lang="en-US" baseline="0" dirty="0" err="1" smtClean="0"/>
-              <a:t>getAll</a:t>
-            </a:r>
-            <a:r>
-              <a:rPr lang="en-US" baseline="0" dirty="0" smtClean="0"/>
+              <a:rPr lang="en-US" sz="1000" dirty="0" smtClean="0">
+                <a:latin typeface="Inconsolata"/>
+                <a:cs typeface="Inconsolata"/>
+              </a:rPr>
+              <a:t>  public void execute(</a:t>
+            </a:r>
+            <a:r>
+              <a:rPr lang="en-US" sz="1000" dirty="0" err="1" smtClean="0">
+                <a:latin typeface="Inconsolata"/>
+                <a:cs typeface="Inconsolata"/>
+              </a:rPr>
+              <a:t>FunctionContext</a:t>
+            </a:r>
+            <a:r>
+              <a:rPr lang="en-US" sz="1000" dirty="0" smtClean="0">
+                <a:latin typeface="Inconsolata"/>
+                <a:cs typeface="Inconsolata"/>
+              </a:rPr>
+              <a:t> </a:t>
+            </a:r>
+            <a:r>
+              <a:rPr lang="en-US" sz="1000" dirty="0" err="1" smtClean="0">
+                <a:latin typeface="Inconsolata"/>
+                <a:cs typeface="Inconsolata"/>
+              </a:rPr>
+              <a:t>ctx</a:t>
+            </a:r>
+            <a:r>
+              <a:rPr lang="en-US" sz="1000" dirty="0" smtClean="0">
+                <a:latin typeface="Inconsolata"/>
+                <a:cs typeface="Inconsolata"/>
+              </a:rPr>
+              <a:t>) {</a:t>
+            </a:r>
+          </a:p>
+          <a:p>
+            <a:pPr marL="0" indent="0">
+              <a:spcBef>
+                <a:spcPts val="0"/>
+              </a:spcBef>
+              <a:buNone/>
+            </a:pPr>
+            <a:r>
+              <a:rPr lang="en-US" sz="1000" dirty="0">
+                <a:latin typeface="Inconsolata"/>
+                <a:cs typeface="Inconsolata"/>
+              </a:rPr>
+              <a:t> </a:t>
+            </a:r>
+            <a:r>
+              <a:rPr lang="en-US" sz="1000" dirty="0" smtClean="0">
+                <a:latin typeface="Inconsolata"/>
+                <a:cs typeface="Inconsolata"/>
+              </a:rPr>
+              <a:t>     </a:t>
+            </a:r>
+            <a:r>
+              <a:rPr lang="en-US" sz="1000" dirty="0" err="1" smtClean="0">
+                <a:latin typeface="Inconsolata"/>
+                <a:cs typeface="Inconsolata"/>
+              </a:rPr>
+              <a:t>ResultSender</a:t>
+            </a:r>
+            <a:r>
+              <a:rPr lang="en-US" sz="1000" dirty="0" smtClean="0">
+                <a:latin typeface="Inconsolata"/>
+                <a:cs typeface="Inconsolata"/>
+              </a:rPr>
+              <a:t>&lt;</a:t>
+            </a:r>
+            <a:r>
+              <a:rPr lang="en-US" sz="1000" dirty="0" err="1" smtClean="0">
+                <a:latin typeface="Inconsolata"/>
+                <a:cs typeface="Inconsolata"/>
+              </a:rPr>
+              <a:t>MyObject</a:t>
+            </a:r>
+            <a:r>
+              <a:rPr lang="en-US" sz="1000" dirty="0" smtClean="0">
+                <a:latin typeface="Inconsolata"/>
+                <a:cs typeface="Inconsolata"/>
+              </a:rPr>
+              <a:t>&gt; sender = </a:t>
+            </a:r>
+            <a:r>
+              <a:rPr lang="en-US" sz="1000" dirty="0" err="1" smtClean="0">
+                <a:latin typeface="Inconsolata"/>
+                <a:cs typeface="Inconsolata"/>
+              </a:rPr>
+              <a:t>ctx.getResultSender</a:t>
+            </a:r>
+            <a:r>
+              <a:rPr lang="en-US" sz="1000" dirty="0" smtClean="0">
+                <a:latin typeface="Inconsolata"/>
+                <a:cs typeface="Inconsolata"/>
+              </a:rPr>
+              <a:t>();</a:t>
+            </a:r>
+          </a:p>
+          <a:p>
+            <a:pPr marL="0" indent="0">
+              <a:spcBef>
+                <a:spcPts val="0"/>
+              </a:spcBef>
+              <a:buNone/>
+            </a:pPr>
+            <a:r>
+              <a:rPr lang="en-US" sz="1000" dirty="0">
+                <a:latin typeface="Inconsolata"/>
+                <a:cs typeface="Inconsolata"/>
+              </a:rPr>
+              <a:t> </a:t>
+            </a:r>
+            <a:r>
+              <a:rPr lang="en-US" sz="1000" dirty="0" smtClean="0">
+                <a:latin typeface="Inconsolata"/>
+                <a:cs typeface="Inconsolata"/>
+              </a:rPr>
+              <a:t>     try {</a:t>
+            </a:r>
+          </a:p>
+          <a:p>
+            <a:pPr marL="0" indent="0">
+              <a:spcBef>
+                <a:spcPts val="0"/>
+              </a:spcBef>
+              <a:buNone/>
+            </a:pPr>
+            <a:r>
+              <a:rPr lang="en-US" sz="1000" dirty="0">
+                <a:latin typeface="Inconsolata"/>
+                <a:cs typeface="Inconsolata"/>
+              </a:rPr>
+              <a:t> </a:t>
+            </a:r>
+            <a:r>
+              <a:rPr lang="en-US" sz="1000" dirty="0" smtClean="0">
+                <a:latin typeface="Inconsolata"/>
+                <a:cs typeface="Inconsolata"/>
+              </a:rPr>
+              <a:t>        </a:t>
+            </a:r>
+            <a:r>
+              <a:rPr lang="en-US" sz="1000" dirty="0" err="1" smtClean="0">
+                <a:latin typeface="Inconsolata"/>
+                <a:cs typeface="Inconsolata"/>
+              </a:rPr>
+              <a:t>MyData</a:t>
+            </a:r>
+            <a:r>
+              <a:rPr lang="en-US" sz="1000" dirty="0" smtClean="0">
+                <a:latin typeface="Inconsolata"/>
+                <a:cs typeface="Inconsolata"/>
+              </a:rPr>
+              <a:t> data = (</a:t>
+            </a:r>
+            <a:r>
+              <a:rPr lang="en-US" sz="1000" dirty="0" err="1" smtClean="0">
+                <a:latin typeface="Inconsolata"/>
+                <a:cs typeface="Inconsolata"/>
+              </a:rPr>
+              <a:t>MyData</a:t>
+            </a:r>
+            <a:r>
+              <a:rPr lang="en-US" sz="1000" dirty="0" smtClean="0">
+                <a:latin typeface="Inconsolata"/>
+                <a:cs typeface="Inconsolata"/>
+              </a:rPr>
               <a:t>)</a:t>
             </a:r>
-          </a:p>
-          <a:p>
-            <a:r>
-              <a:rPr lang="en-US" baseline="0" dirty="0" smtClean="0"/>
-              <a:t>Easy to use – no ORM</a:t>
-            </a:r>
-          </a:p>
-          <a:p>
-            <a:pPr marL="514350" lvl="1" indent="0">
+            <a:r>
+              <a:rPr lang="en-US" sz="1000" dirty="0" err="1" smtClean="0">
+                <a:latin typeface="Inconsolata"/>
+                <a:cs typeface="Inconsolata"/>
+              </a:rPr>
+              <a:t>ctx.getArguments</a:t>
+            </a:r>
+            <a:r>
+              <a:rPr lang="en-US" sz="1000" dirty="0" smtClean="0">
+                <a:latin typeface="Inconsolata"/>
+                <a:cs typeface="Inconsolata"/>
+              </a:rPr>
+              <a:t>();</a:t>
+            </a:r>
+          </a:p>
+          <a:p>
+            <a:pPr marL="0" indent="0">
+              <a:spcBef>
+                <a:spcPts val="0"/>
+              </a:spcBef>
               <a:buNone/>
             </a:pPr>
             <a:r>
-              <a:rPr lang="en-US" sz="1200" dirty="0" smtClean="0">
-                <a:latin typeface="Inconsolata"/>
-                <a:cs typeface="Inconsolata"/>
-              </a:rPr>
-              <a:t>Region&lt;</a:t>
-            </a:r>
-            <a:r>
-              <a:rPr lang="en-US" sz="1200" dirty="0" err="1" smtClean="0">
-                <a:latin typeface="Inconsolata"/>
-                <a:cs typeface="Inconsolata"/>
-              </a:rPr>
-              <a:t>String,String</a:t>
-            </a:r>
-            <a:r>
-              <a:rPr lang="en-US" sz="1200" dirty="0" smtClean="0">
-                <a:latin typeface="Inconsolata"/>
-                <a:cs typeface="Inconsolata"/>
-              </a:rPr>
-              <a:t>&gt; r = </a:t>
-            </a:r>
-            <a:r>
-              <a:rPr lang="en-US" sz="1200" dirty="0" err="1" smtClean="0">
-                <a:latin typeface="Inconsolata"/>
-                <a:cs typeface="Inconsolata"/>
-              </a:rPr>
-              <a:t>cache.getRegion</a:t>
-            </a:r>
-            <a:r>
-              <a:rPr lang="en-US" sz="1200" dirty="0" smtClean="0">
-                <a:latin typeface="Inconsolata"/>
-                <a:cs typeface="Inconsolata"/>
-              </a:rPr>
-              <a:t>(“</a:t>
-            </a:r>
-            <a:r>
-              <a:rPr lang="en-US" sz="1200" dirty="0" err="1" smtClean="0">
-                <a:latin typeface="Inconsolata"/>
-                <a:cs typeface="Inconsolata"/>
-              </a:rPr>
-              <a:t>someRegion</a:t>
-            </a:r>
-            <a:r>
-              <a:rPr lang="en-US" sz="1200" dirty="0" smtClean="0">
-                <a:latin typeface="Inconsolata"/>
-                <a:cs typeface="Inconsolata"/>
-              </a:rPr>
-              <a:t>”);</a:t>
-            </a:r>
-          </a:p>
-          <a:p>
-            <a:pPr marL="514350" lvl="1" indent="0">
+              <a:rPr lang="en-US" sz="1000" dirty="0">
+                <a:latin typeface="Inconsolata"/>
+                <a:cs typeface="Inconsolata"/>
+              </a:rPr>
+              <a:t> </a:t>
+            </a:r>
+            <a:r>
+              <a:rPr lang="en-US" sz="1000" dirty="0" smtClean="0">
+                <a:latin typeface="Inconsolata"/>
+                <a:cs typeface="Inconsolata"/>
+              </a:rPr>
+              <a:t>        // do something</a:t>
+            </a:r>
+          </a:p>
+          <a:p>
+            <a:pPr marL="0" indent="0">
+              <a:spcBef>
+                <a:spcPts val="0"/>
+              </a:spcBef>
               <a:buNone/>
             </a:pPr>
             <a:r>
-              <a:rPr lang="en-US" sz="1200" dirty="0" err="1" smtClean="0">
-                <a:latin typeface="Inconsolata"/>
-                <a:cs typeface="Inconsolata"/>
-              </a:rPr>
-              <a:t>r.put</a:t>
-            </a:r>
-            <a:r>
-              <a:rPr lang="en-US" sz="1200" dirty="0" smtClean="0">
-                <a:latin typeface="Inconsolata"/>
-                <a:cs typeface="Inconsolata"/>
-              </a:rPr>
-              <a:t>(“</a:t>
-            </a:r>
-            <a:r>
-              <a:rPr lang="en-US" sz="1200" dirty="0" err="1" smtClean="0">
-                <a:latin typeface="Inconsolata"/>
-                <a:cs typeface="Inconsolata"/>
-              </a:rPr>
-              <a:t>key”,”value</a:t>
-            </a:r>
-            <a:r>
-              <a:rPr lang="en-US" sz="1200" dirty="0" smtClean="0">
-                <a:latin typeface="Inconsolata"/>
-                <a:cs typeface="Inconsolata"/>
-              </a:rPr>
-              <a:t>”);</a:t>
-            </a:r>
-          </a:p>
-          <a:p>
-            <a:pPr marL="514350" lvl="1" indent="0">
+              <a:rPr lang="en-US" sz="1000" dirty="0">
+                <a:latin typeface="Inconsolata"/>
+                <a:cs typeface="Inconsolata"/>
+              </a:rPr>
+              <a:t> </a:t>
+            </a:r>
+            <a:r>
+              <a:rPr lang="en-US" sz="1000" dirty="0" smtClean="0">
+                <a:latin typeface="Inconsolata"/>
+                <a:cs typeface="Inconsolata"/>
+              </a:rPr>
+              <a:t>        </a:t>
+            </a:r>
+            <a:r>
+              <a:rPr lang="en-US" sz="1000" dirty="0" err="1" smtClean="0">
+                <a:latin typeface="Inconsolata"/>
+                <a:cs typeface="Inconsolata"/>
+              </a:rPr>
+              <a:t>sender.sendResult</a:t>
+            </a:r>
+            <a:r>
+              <a:rPr lang="en-US" sz="1000" dirty="0" smtClean="0">
+                <a:latin typeface="Inconsolata"/>
+                <a:cs typeface="Inconsolata"/>
+              </a:rPr>
+              <a:t>(</a:t>
+            </a:r>
+            <a:r>
+              <a:rPr lang="en-US" sz="1000" dirty="0" err="1" smtClean="0">
+                <a:latin typeface="Inconsolata"/>
+                <a:cs typeface="Inconsolata"/>
+              </a:rPr>
+              <a:t>anObject</a:t>
+            </a:r>
+            <a:r>
+              <a:rPr lang="en-US" sz="1000" dirty="0" smtClean="0">
+                <a:latin typeface="Inconsolata"/>
+                <a:cs typeface="Inconsolata"/>
+              </a:rPr>
+              <a:t>);</a:t>
+            </a:r>
+          </a:p>
+          <a:p>
+            <a:pPr marL="0" indent="0">
+              <a:spcBef>
+                <a:spcPts val="0"/>
+              </a:spcBef>
               <a:buNone/>
             </a:pPr>
             <a:r>
-              <a:rPr lang="en-US" sz="1200" dirty="0" err="1" smtClean="0">
-                <a:latin typeface="Inconsolata"/>
-                <a:cs typeface="Inconsolata"/>
-              </a:rPr>
-              <a:t>r.get</a:t>
-            </a:r>
-            <a:r>
-              <a:rPr lang="en-US" sz="1200" dirty="0" smtClean="0">
-                <a:latin typeface="Inconsolata"/>
-                <a:cs typeface="Inconsolata"/>
-              </a:rPr>
-              <a:t>(“key”);</a:t>
-            </a:r>
-          </a:p>
-          <a:p>
-            <a:pPr marL="514350" lvl="1" indent="0">
+              <a:rPr lang="en-US" sz="1000" dirty="0" smtClean="0">
+                <a:latin typeface="Inconsolata"/>
+                <a:cs typeface="Inconsolata"/>
+              </a:rPr>
+              <a:t>         </a:t>
+            </a:r>
+            <a:r>
+              <a:rPr lang="en-US" sz="1000" dirty="0" err="1" smtClean="0">
+                <a:latin typeface="Inconsolata"/>
+                <a:cs typeface="Inconsolata"/>
+              </a:rPr>
+              <a:t>sender.lastResult</a:t>
+            </a:r>
+            <a:r>
+              <a:rPr lang="en-US" sz="1000" dirty="0" smtClean="0">
+                <a:latin typeface="Inconsolata"/>
+                <a:cs typeface="Inconsolata"/>
+              </a:rPr>
+              <a:t>(</a:t>
+            </a:r>
+            <a:r>
+              <a:rPr lang="en-US" sz="1000" dirty="0" err="1" smtClean="0">
+                <a:latin typeface="Inconsolata"/>
+                <a:cs typeface="Inconsolata"/>
+              </a:rPr>
+              <a:t>anotherObject</a:t>
+            </a:r>
+            <a:r>
+              <a:rPr lang="en-US" sz="1000" dirty="0" smtClean="0">
+                <a:latin typeface="Inconsolata"/>
+                <a:cs typeface="Inconsolata"/>
+              </a:rPr>
+              <a:t>);</a:t>
+            </a:r>
+          </a:p>
+          <a:p>
+            <a:pPr marL="0" indent="0">
+              <a:spcBef>
+                <a:spcPts val="0"/>
+              </a:spcBef>
               <a:buNone/>
             </a:pPr>
             <a:r>
-              <a:rPr lang="en-US" sz="1200" dirty="0" err="1" smtClean="0">
-                <a:latin typeface="Inconsolata"/>
-                <a:cs typeface="Inconsolata"/>
-              </a:rPr>
-              <a:t>r.remove</a:t>
-            </a:r>
-            <a:r>
-              <a:rPr lang="en-US" sz="1200" dirty="0" smtClean="0">
-                <a:latin typeface="Inconsolata"/>
-                <a:cs typeface="Inconsolata"/>
-              </a:rPr>
-              <a:t>(“key”);</a:t>
-            </a:r>
-            <a:endParaRPr lang="en-US" sz="1200" dirty="0">
-              <a:latin typeface="Inconsolata"/>
-              <a:cs typeface="Inconsolata"/>
-            </a:endParaRPr>
+              <a:rPr lang="en-US" sz="1000" dirty="0" smtClean="0">
+                <a:latin typeface="Inconsolata"/>
+                <a:cs typeface="Inconsolata"/>
+              </a:rPr>
+              <a:t>      } catch (Exception x) {</a:t>
+            </a:r>
+          </a:p>
+          <a:p>
+            <a:pPr marL="0" indent="0">
+              <a:spcBef>
+                <a:spcPts val="0"/>
+              </a:spcBef>
+              <a:buNone/>
+            </a:pPr>
+            <a:r>
+              <a:rPr lang="en-US" sz="1000" dirty="0" smtClean="0">
+                <a:latin typeface="Inconsolata"/>
+                <a:cs typeface="Inconsolata"/>
+              </a:rPr>
+              <a:t>         throw new </a:t>
+            </a:r>
+            <a:r>
+              <a:rPr lang="en-US" sz="1000" dirty="0" err="1" smtClean="0">
+                <a:latin typeface="Inconsolata"/>
+                <a:cs typeface="Inconsolata"/>
+              </a:rPr>
+              <a:t>FunctionException</a:t>
+            </a:r>
+            <a:r>
+              <a:rPr lang="en-US" sz="1000" dirty="0" smtClean="0">
+                <a:latin typeface="Inconsolata"/>
+                <a:cs typeface="Inconsolata"/>
+              </a:rPr>
+              <a:t>(x);</a:t>
+            </a:r>
+          </a:p>
+          <a:p>
+            <a:pPr marL="0" indent="0">
+              <a:spcBef>
+                <a:spcPts val="0"/>
+              </a:spcBef>
+              <a:buNone/>
+            </a:pPr>
+            <a:r>
+              <a:rPr lang="en-US" sz="1000" dirty="0" smtClean="0">
+                <a:latin typeface="Inconsolata"/>
+                <a:cs typeface="Inconsolata"/>
+              </a:rPr>
+              <a:t>      }</a:t>
+            </a:r>
+          </a:p>
+          <a:p>
+            <a:pPr marL="0" indent="0">
+              <a:spcBef>
+                <a:spcPts val="0"/>
+              </a:spcBef>
+              <a:buNone/>
+            </a:pPr>
+            <a:r>
+              <a:rPr lang="en-US" sz="1000" dirty="0">
+                <a:latin typeface="Inconsolata"/>
+                <a:cs typeface="Inconsolata"/>
+              </a:rPr>
+              <a:t> </a:t>
+            </a:r>
+            <a:r>
+              <a:rPr lang="en-US" sz="1000" dirty="0" smtClean="0">
+                <a:latin typeface="Inconsolata"/>
+                <a:cs typeface="Inconsolata"/>
+              </a:rPr>
+              <a:t>  }</a:t>
+            </a:r>
+          </a:p>
+          <a:p>
+            <a:pPr marL="0" indent="0">
+              <a:spcBef>
+                <a:spcPts val="0"/>
+              </a:spcBef>
+              <a:buNone/>
+            </a:pPr>
+            <a:r>
+              <a:rPr lang="en-US" sz="1000" dirty="0">
+                <a:latin typeface="Inconsolata"/>
+                <a:cs typeface="Inconsolata"/>
+              </a:rPr>
+              <a:t> </a:t>
+            </a:r>
+            <a:r>
+              <a:rPr lang="en-US" sz="1000" dirty="0" smtClean="0">
+                <a:latin typeface="Inconsolata"/>
+                <a:cs typeface="Inconsolata"/>
+              </a:rPr>
+              <a:t>  public String </a:t>
+            </a:r>
+            <a:r>
+              <a:rPr lang="en-US" sz="1000" dirty="0" err="1" smtClean="0">
+                <a:latin typeface="Inconsolata"/>
+                <a:cs typeface="Inconsolata"/>
+              </a:rPr>
+              <a:t>getID</a:t>
+            </a:r>
+            <a:r>
+              <a:rPr lang="en-US" sz="1000" dirty="0" smtClean="0">
+                <a:latin typeface="Inconsolata"/>
+                <a:cs typeface="Inconsolata"/>
+              </a:rPr>
+              <a:t>() {</a:t>
+            </a:r>
+          </a:p>
+          <a:p>
+            <a:pPr marL="0" indent="0">
+              <a:spcBef>
+                <a:spcPts val="0"/>
+              </a:spcBef>
+              <a:buNone/>
+            </a:pPr>
+            <a:r>
+              <a:rPr lang="en-US" sz="1000" dirty="0">
+                <a:latin typeface="Inconsolata"/>
+                <a:cs typeface="Inconsolata"/>
+              </a:rPr>
+              <a:t> </a:t>
+            </a:r>
+            <a:r>
+              <a:rPr lang="en-US" sz="1000" dirty="0" smtClean="0">
+                <a:latin typeface="Inconsolata"/>
+                <a:cs typeface="Inconsolata"/>
+              </a:rPr>
+              <a:t>     return “</a:t>
+            </a:r>
+            <a:r>
+              <a:rPr lang="en-US" sz="1000" dirty="0" err="1" smtClean="0">
+                <a:latin typeface="Inconsolata"/>
+                <a:cs typeface="Inconsolata"/>
+              </a:rPr>
+              <a:t>MyFunction</a:t>
+            </a:r>
+            <a:r>
+              <a:rPr lang="en-US" sz="1000" dirty="0" smtClean="0">
+                <a:latin typeface="Inconsolata"/>
+                <a:cs typeface="Inconsolata"/>
+              </a:rPr>
+              <a:t>”;</a:t>
+            </a:r>
+          </a:p>
+          <a:p>
+            <a:pPr marL="0" indent="0">
+              <a:spcBef>
+                <a:spcPts val="0"/>
+              </a:spcBef>
+              <a:buNone/>
+            </a:pPr>
+            <a:r>
+              <a:rPr lang="en-US" sz="1000" dirty="0">
+                <a:latin typeface="Inconsolata"/>
+                <a:cs typeface="Inconsolata"/>
+              </a:rPr>
+              <a:t> </a:t>
+            </a:r>
+            <a:r>
+              <a:rPr lang="en-US" sz="1000" dirty="0" smtClean="0">
+                <a:latin typeface="Inconsolata"/>
+                <a:cs typeface="Inconsolata"/>
+              </a:rPr>
+              <a:t>  }</a:t>
+            </a:r>
+          </a:p>
+          <a:p>
+            <a:pPr marL="0" indent="0">
+              <a:spcBef>
+                <a:spcPts val="0"/>
+              </a:spcBef>
+              <a:buNone/>
+            </a:pPr>
+            <a:r>
+              <a:rPr lang="en-US" sz="1000" dirty="0">
+                <a:latin typeface="Inconsolata"/>
+                <a:cs typeface="Inconsolata"/>
+              </a:rPr>
+              <a:t> </a:t>
+            </a:r>
+            <a:r>
+              <a:rPr lang="en-US" sz="1000" dirty="0" smtClean="0">
+                <a:latin typeface="Inconsolata"/>
+                <a:cs typeface="Inconsolata"/>
+              </a:rPr>
+              <a:t>  public </a:t>
+            </a:r>
+            <a:r>
+              <a:rPr lang="en-US" sz="1000" dirty="0" err="1" smtClean="0">
+                <a:latin typeface="Inconsolata"/>
+                <a:cs typeface="Inconsolata"/>
+              </a:rPr>
+              <a:t>boolean</a:t>
+            </a:r>
+            <a:r>
+              <a:rPr lang="en-US" sz="1000" dirty="0" smtClean="0">
+                <a:latin typeface="Inconsolata"/>
+                <a:cs typeface="Inconsolata"/>
+              </a:rPr>
+              <a:t> </a:t>
+            </a:r>
+            <a:r>
+              <a:rPr lang="en-US" sz="1000" dirty="0" err="1" smtClean="0">
+                <a:latin typeface="Inconsolata"/>
+                <a:cs typeface="Inconsolata"/>
+              </a:rPr>
+              <a:t>isHA</a:t>
+            </a:r>
+            <a:r>
+              <a:rPr lang="en-US" sz="1000" dirty="0" smtClean="0">
+                <a:latin typeface="Inconsolata"/>
+                <a:cs typeface="Inconsolata"/>
+              </a:rPr>
+              <a:t>() {</a:t>
+            </a:r>
+          </a:p>
+          <a:p>
+            <a:pPr marL="0" indent="0">
+              <a:spcBef>
+                <a:spcPts val="0"/>
+              </a:spcBef>
+              <a:buNone/>
+            </a:pPr>
+            <a:r>
+              <a:rPr lang="en-US" sz="1000" dirty="0">
+                <a:latin typeface="Inconsolata"/>
+                <a:cs typeface="Inconsolata"/>
+              </a:rPr>
+              <a:t> </a:t>
+            </a:r>
+            <a:r>
+              <a:rPr lang="en-US" sz="1000" dirty="0" smtClean="0">
+                <a:latin typeface="Inconsolata"/>
+                <a:cs typeface="Inconsolata"/>
+              </a:rPr>
+              <a:t>     return true;</a:t>
+            </a:r>
+          </a:p>
+          <a:p>
+            <a:pPr marL="0" indent="0">
+              <a:spcBef>
+                <a:spcPts val="0"/>
+              </a:spcBef>
+              <a:buNone/>
+            </a:pPr>
+            <a:r>
+              <a:rPr lang="en-US" sz="1000" dirty="0">
+                <a:latin typeface="Inconsolata"/>
+                <a:cs typeface="Inconsolata"/>
+              </a:rPr>
+              <a:t> </a:t>
+            </a:r>
+            <a:r>
+              <a:rPr lang="en-US" sz="1000" dirty="0" smtClean="0">
+                <a:latin typeface="Inconsolata"/>
+                <a:cs typeface="Inconsolata"/>
+              </a:rPr>
+              <a:t>  }</a:t>
+            </a:r>
+          </a:p>
+          <a:p>
+            <a:pPr marL="0" indent="0">
+              <a:spcBef>
+                <a:spcPts val="0"/>
+              </a:spcBef>
+              <a:buNone/>
+            </a:pPr>
+            <a:r>
+              <a:rPr lang="en-US" sz="1000" dirty="0">
+                <a:latin typeface="Inconsolata"/>
+                <a:cs typeface="Inconsolata"/>
+              </a:rPr>
+              <a:t> </a:t>
+            </a:r>
+            <a:r>
+              <a:rPr lang="en-US" sz="1000" dirty="0" smtClean="0">
+                <a:latin typeface="Inconsolata"/>
+                <a:cs typeface="Inconsolata"/>
+              </a:rPr>
+              <a:t>  public </a:t>
+            </a:r>
+            <a:r>
+              <a:rPr lang="en-US" sz="1000" dirty="0" err="1" smtClean="0">
+                <a:latin typeface="Inconsolata"/>
+                <a:cs typeface="Inconsolata"/>
+              </a:rPr>
+              <a:t>boolean</a:t>
+            </a:r>
+            <a:r>
+              <a:rPr lang="en-US" sz="1000" dirty="0" smtClean="0">
+                <a:latin typeface="Inconsolata"/>
+                <a:cs typeface="Inconsolata"/>
+              </a:rPr>
+              <a:t> </a:t>
+            </a:r>
+            <a:r>
+              <a:rPr lang="en-US" sz="1000" dirty="0" err="1" smtClean="0">
+                <a:latin typeface="Inconsolata"/>
+                <a:cs typeface="Inconsolata"/>
+              </a:rPr>
+              <a:t>hasResult</a:t>
+            </a:r>
+            <a:r>
+              <a:rPr lang="en-US" sz="1000" dirty="0" smtClean="0">
+                <a:latin typeface="Inconsolata"/>
+                <a:cs typeface="Inconsolata"/>
+              </a:rPr>
+              <a:t>() {</a:t>
+            </a:r>
+          </a:p>
+          <a:p>
+            <a:pPr marL="0" indent="0">
+              <a:spcBef>
+                <a:spcPts val="0"/>
+              </a:spcBef>
+              <a:buNone/>
+            </a:pPr>
+            <a:r>
+              <a:rPr lang="en-US" sz="1000" dirty="0" smtClean="0">
+                <a:latin typeface="Inconsolata"/>
+                <a:cs typeface="Inconsolata"/>
+              </a:rPr>
+              <a:t>      return true;</a:t>
+            </a:r>
+          </a:p>
+          <a:p>
+            <a:pPr marL="0" indent="0">
+              <a:spcBef>
+                <a:spcPts val="0"/>
+              </a:spcBef>
+              <a:buNone/>
+            </a:pPr>
+            <a:r>
+              <a:rPr lang="en-US" sz="1000" dirty="0" smtClean="0">
+                <a:latin typeface="Inconsolata"/>
+                <a:cs typeface="Inconsolata"/>
+              </a:rPr>
+              <a:t>   }</a:t>
+            </a:r>
+          </a:p>
+          <a:p>
+            <a:pPr marL="0" indent="0">
+              <a:spcBef>
+                <a:spcPts val="0"/>
+              </a:spcBef>
+              <a:buNone/>
+            </a:pPr>
+            <a:r>
+              <a:rPr lang="en-US" sz="1000" dirty="0">
+                <a:latin typeface="Inconsolata"/>
+                <a:cs typeface="Inconsolata"/>
+              </a:rPr>
+              <a:t> </a:t>
+            </a:r>
+            <a:r>
+              <a:rPr lang="en-US" sz="1000" dirty="0" smtClean="0">
+                <a:latin typeface="Inconsolata"/>
+                <a:cs typeface="Inconsolata"/>
+              </a:rPr>
+              <a:t>  public </a:t>
+            </a:r>
+            <a:r>
+              <a:rPr lang="en-US" sz="1000" dirty="0" err="1" smtClean="0">
+                <a:latin typeface="Inconsolata"/>
+                <a:cs typeface="Inconsolata"/>
+              </a:rPr>
+              <a:t>boolean</a:t>
+            </a:r>
+            <a:r>
+              <a:rPr lang="en-US" sz="1000" dirty="0" smtClean="0">
+                <a:latin typeface="Inconsolata"/>
+                <a:cs typeface="Inconsolata"/>
+              </a:rPr>
+              <a:t> </a:t>
+            </a:r>
+            <a:r>
+              <a:rPr lang="en-US" sz="1000" dirty="0" err="1" smtClean="0">
+                <a:latin typeface="Inconsolata"/>
+                <a:cs typeface="Inconsolata"/>
+              </a:rPr>
+              <a:t>optimizeForWrite</a:t>
+            </a:r>
+            <a:r>
+              <a:rPr lang="en-US" sz="1000" dirty="0" smtClean="0">
+                <a:latin typeface="Inconsolata"/>
+                <a:cs typeface="Inconsolata"/>
+              </a:rPr>
+              <a:t>() {</a:t>
+            </a:r>
+          </a:p>
+          <a:p>
+            <a:pPr marL="0" indent="0">
+              <a:spcBef>
+                <a:spcPts val="0"/>
+              </a:spcBef>
+              <a:buNone/>
+            </a:pPr>
+            <a:r>
+              <a:rPr lang="en-US" sz="1000" dirty="0">
+                <a:latin typeface="Inconsolata"/>
+                <a:cs typeface="Inconsolata"/>
+              </a:rPr>
+              <a:t> </a:t>
+            </a:r>
+            <a:r>
+              <a:rPr lang="en-US" sz="1000" dirty="0" smtClean="0">
+                <a:latin typeface="Inconsolata"/>
+                <a:cs typeface="Inconsolata"/>
+              </a:rPr>
+              <a:t>     return true;</a:t>
+            </a:r>
+          </a:p>
+          <a:p>
+            <a:pPr marL="0" indent="0">
+              <a:spcBef>
+                <a:spcPts val="0"/>
+              </a:spcBef>
+              <a:buNone/>
+            </a:pPr>
+            <a:r>
+              <a:rPr lang="en-US" sz="1000" dirty="0" smtClean="0">
+                <a:latin typeface="Inconsolata"/>
+                <a:cs typeface="Inconsolata"/>
+              </a:rPr>
+              <a:t>   }</a:t>
+            </a:r>
+          </a:p>
+          <a:p>
+            <a:pPr marL="0" indent="0">
+              <a:spcBef>
+                <a:spcPts val="0"/>
+              </a:spcBef>
+              <a:buNone/>
+            </a:pPr>
+            <a:r>
+              <a:rPr lang="en-US" sz="1000" dirty="0">
+                <a:latin typeface="Inconsolata"/>
+                <a:cs typeface="Inconsolata"/>
+              </a:rPr>
+              <a:t>}</a:t>
+            </a:r>
           </a:p>
         </p:txBody>
       </p:sp>
     </p:spTree>
     <p:extLst>
       <p:ext uri="{BB962C8B-B14F-4D97-AF65-F5344CB8AC3E}">
-        <p14:creationId xmlns:p14="http://schemas.microsoft.com/office/powerpoint/2010/main" val="2782280750"/>
+        <p14:creationId xmlns:p14="http://schemas.microsoft.com/office/powerpoint/2010/main" val="2640991972"/>
       </p:ext>
     </p:extLst>
   </p:cSld>
@@ -10122,7 +10859,11 @@
           <a:p>
             <a:r>
               <a:rPr lang="en-US" dirty="0" smtClean="0"/>
-              <a:t>API – Function: Example</a:t>
+              <a:t>API – Function:</a:t>
+            </a:r>
+            <a:r>
+              <a:rPr lang="en-US" baseline="0" dirty="0" smtClean="0"/>
+              <a:t> Executing</a:t>
             </a:r>
             <a:endParaRPr lang="en-US" dirty="0"/>
           </a:p>
@@ -10140,14 +10881,12 @@
         </p:nvSpPr>
         <p:spPr>
           <a:xfrm>
-            <a:off x="366714" y="882573"/>
-            <a:ext cx="8410575" cy="3553892"/>
+            <a:off x="375069" y="1083093"/>
+            <a:ext cx="8410575" cy="3382962"/>
           </a:xfrm>
         </p:spPr>
         <p:txBody>
-          <a:bodyPr>
-            <a:normAutofit lnSpcReduction="10000"/>
-          </a:bodyPr>
+          <a:bodyPr/>
           <a:lstStyle/>
           <a:p>
             <a:pPr marL="0" indent="0">
@@ -10157,32 +10896,95 @@
               <a:buNone/>
             </a:pPr>
             <a:r>
-              <a:rPr lang="en-US" sz="1000" dirty="0">
-                <a:latin typeface="Inconsolata"/>
-                <a:cs typeface="Inconsolata"/>
-              </a:rPr>
-              <a:t>p</a:t>
-            </a:r>
-            <a:r>
-              <a:rPr lang="en-US" sz="1000" dirty="0" smtClean="0">
-                <a:latin typeface="Inconsolata"/>
-                <a:cs typeface="Inconsolata"/>
-              </a:rPr>
-              <a:t>ublic class </a:t>
-            </a:r>
-            <a:r>
-              <a:rPr lang="en-US" sz="1000" dirty="0" err="1" smtClean="0">
+              <a:rPr lang="en-US" sz="1200" dirty="0" err="1" smtClean="0">
+                <a:latin typeface="Inconsolata"/>
+                <a:cs typeface="Inconsolata"/>
+              </a:rPr>
+              <a:t>MyData</a:t>
+            </a:r>
+            <a:r>
+              <a:rPr lang="en-US" sz="1200" dirty="0" smtClean="0">
+                <a:latin typeface="Inconsolata"/>
+                <a:cs typeface="Inconsolata"/>
+              </a:rPr>
+              <a:t> data = …;</a:t>
+            </a:r>
+          </a:p>
+          <a:p>
+            <a:pPr marL="0" indent="0">
+              <a:spcBef>
+                <a:spcPts val="0"/>
+              </a:spcBef>
+              <a:buNone/>
+            </a:pPr>
+            <a:endParaRPr lang="en-US" sz="1200" dirty="0" smtClean="0">
+              <a:latin typeface="Inconsolata"/>
+              <a:cs typeface="Inconsolata"/>
+            </a:endParaRPr>
+          </a:p>
+          <a:p>
+            <a:pPr marL="0" indent="0">
+              <a:spcBef>
+                <a:spcPts val="0"/>
+              </a:spcBef>
+              <a:buNone/>
+            </a:pPr>
+            <a:r>
+              <a:rPr lang="en-US" sz="1200" dirty="0" smtClean="0">
+                <a:latin typeface="Inconsolata"/>
+                <a:cs typeface="Inconsolata"/>
+              </a:rPr>
+              <a:t>// execute on all servers from client</a:t>
+            </a:r>
+          </a:p>
+          <a:p>
+            <a:pPr marL="0" indent="0">
+              <a:spcBef>
+                <a:spcPts val="0"/>
+              </a:spcBef>
+              <a:buNone/>
+            </a:pPr>
+            <a:r>
+              <a:rPr lang="en-US" sz="1200" dirty="0" err="1" smtClean="0">
+                <a:latin typeface="Inconsolata"/>
+                <a:cs typeface="Inconsolata"/>
+              </a:rPr>
+              <a:t>FunctionService.onServers</a:t>
+            </a:r>
+            <a:r>
+              <a:rPr lang="en-US" sz="1200" dirty="0" smtClean="0">
+                <a:latin typeface="Inconsolata"/>
+                <a:cs typeface="Inconsolata"/>
+              </a:rPr>
+              <a:t>(pool).</a:t>
+            </a:r>
+            <a:r>
+              <a:rPr lang="en-US" sz="1200" dirty="0" err="1" smtClean="0">
+                <a:latin typeface="Inconsolata"/>
+                <a:cs typeface="Inconsolata"/>
+              </a:rPr>
+              <a:t>withArgs</a:t>
+            </a:r>
+            <a:r>
+              <a:rPr lang="en-US" sz="1200" dirty="0" smtClean="0">
+                <a:latin typeface="Inconsolata"/>
+                <a:cs typeface="Inconsolata"/>
+              </a:rPr>
+              <a:t>(data).execute(“</a:t>
+            </a:r>
+            <a:r>
+              <a:rPr lang="en-US" sz="1200" dirty="0" err="1" smtClean="0">
                 <a:latin typeface="Inconsolata"/>
                 <a:cs typeface="Inconsolata"/>
               </a:rPr>
               <a:t>MyFunction</a:t>
             </a:r>
             <a:r>
-              <a:rPr lang="en-US" sz="1000" dirty="0" smtClean="0">
-                <a:latin typeface="Inconsolata"/>
-                <a:cs typeface="Inconsolata"/>
-              </a:rPr>
-              <a:t> implements Function {</a:t>
+              <a:rPr lang="en-US" sz="1200" dirty="0" smtClean="0">
+                <a:latin typeface="Inconsolata"/>
+                <a:cs typeface="Inconsolata"/>
+              </a:rPr>
+              <a:t>”);</a:t>
             </a:r>
           </a:p>
           <a:p>
@@ -10192,48 +10994,10 @@
               </a:spcBef>
               <a:buNone/>
             </a:pPr>
-            <a:r>
-              <a:rPr lang="en-US" sz="1000" dirty="0">
-                <a:latin typeface="Inconsolata"/>
-                <a:cs typeface="Inconsolata"/>
-              </a:rPr>
-              <a:t> </a:t>
-            </a:r>
-            <a:r>
-              <a:rPr lang="en-US" sz="1000" dirty="0" smtClean="0">
-                <a:latin typeface="Inconsolata"/>
-                <a:cs typeface="Inconsolata"/>
-              </a:rPr>
-              <a:t>  public void execute(</a:t>
-            </a:r>
-            <a:r>
-              <a:rPr lang="en-US" sz="1000" dirty="0" err="1" smtClean="0">
-                <a:latin typeface="Inconsolata"/>
-                <a:cs typeface="Inconsolata"/>
-              </a:rPr>
-              <a:t>FunctionContext</a:t>
-            </a:r>
-            <a:r>
-              <a:rPr lang="en-US" sz="1000" dirty="0" smtClean="0">
-                <a:latin typeface="Inconsolata"/>
-                <a:cs typeface="Inconsolata"/>
-              </a:rPr>
-              <a:t> </a:t>
-            </a:r>
-            <a:r>
-              <a:rPr lang="en-US" sz="1000" dirty="0" err="1" smtClean="0">
-                <a:latin typeface="Inconsolata"/>
-                <a:cs typeface="Inconsolata"/>
-              </a:rPr>
-              <a:t>ctx</a:t>
-            </a:r>
-            <a:r>
-              <a:rPr lang="en-US" sz="1000" dirty="0" smtClean="0">
-                <a:latin typeface="Inconsolata"/>
-                <a:cs typeface="Inconsolata"/>
-              </a:rPr>
-              <a:t>) {</a:t>
-            </a:r>
+            <a:endParaRPr lang="en-US" sz="1200" dirty="0" smtClean="0">
+              <a:latin typeface="Inconsolata"/>
+              <a:cs typeface="Inconsolata"/>
+            </a:endParaRPr>
           </a:p>
           <a:p>
             <a:pPr marL="0" indent="0">
@@ -10243,60 +11007,11 @@
               <a:buNone/>
             </a:pPr>
             <a:r>
-              <a:rPr lang="en-US" sz="1000" dirty="0">
-                <a:latin typeface="Inconsolata"/>
-                <a:cs typeface="Inconsolata"/>
-              </a:rPr>
-              <a:t> </a:t>
-            </a:r>
-            <a:r>
-              <a:rPr lang="en-US" sz="1000" dirty="0" smtClean="0">
-                <a:latin typeface="Inconsolata"/>
-                <a:cs typeface="Inconsolata"/>
-              </a:rPr>
-              <a:t>     </a:t>
-            </a:r>
-            <a:r>
-              <a:rPr lang="en-US" sz="1000" dirty="0" err="1" smtClean="0">
-                <a:latin typeface="Inconsolata"/>
-                <a:cs typeface="Inconsolata"/>
-              </a:rPr>
-              <a:t>ResultSender</a:t>
-            </a:r>
-            <a:r>
-              <a:rPr lang="en-US" sz="1000" dirty="0" smtClean="0">
-                <a:latin typeface="Inconsolata"/>
-                <a:cs typeface="Inconsolata"/>
-              </a:rPr>
-              <a:t>&lt;</a:t>
-            </a:r>
-            <a:r>
-              <a:rPr lang="en-US" sz="1000" dirty="0" err="1" smtClean="0">
-                <a:latin typeface="Inconsolata"/>
-                <a:cs typeface="Inconsolata"/>
-              </a:rPr>
-              <a:t>MyObject</a:t>
-            </a:r>
-            <a:r>
-              <a:rPr lang="en-US" sz="1000" dirty="0" smtClean="0">
-                <a:latin typeface="Inconsolata"/>
-                <a:cs typeface="Inconsolata"/>
-              </a:rPr>
-              <a:t>&gt; sender = </a:t>
-            </a:r>
-            <a:r>
-              <a:rPr lang="en-US" sz="1000" dirty="0" err="1" smtClean="0">
-                <a:latin typeface="Inconsolata"/>
-                <a:cs typeface="Inconsolata"/>
-              </a:rPr>
-              <a:t>ctx.getResultSender</a:t>
-            </a:r>
-            <a:r>
-              <a:rPr lang="en-US" sz="1000" dirty="0" smtClean="0">
-                <a:latin typeface="Inconsolata"/>
-                <a:cs typeface="Inconsolata"/>
-              </a:rPr>
-              <a:t>();</a:t>
+              <a:rPr lang="en-US" sz="1200" dirty="0" smtClean="0">
+                <a:latin typeface="Inconsolata"/>
+                <a:cs typeface="Inconsolata"/>
+              </a:rPr>
+              <a:t>// execute on one server from client</a:t>
             </a:r>
           </a:p>
           <a:p>
@@ -10307,18 +11022,60 @@
               <a:buNone/>
             </a:pPr>
             <a:r>
-              <a:rPr lang="en-US" sz="1000" dirty="0">
-                <a:latin typeface="Inconsolata"/>
-                <a:cs typeface="Inconsolata"/>
-              </a:rPr>
-              <a:t> </a:t>
-            </a:r>
-            <a:r>
-              <a:rPr lang="en-US" sz="1000" dirty="0" smtClean="0">
-                <a:latin typeface="Inconsolata"/>
-                <a:cs typeface="Inconsolata"/>
-              </a:rPr>
-              <a:t>     try {</a:t>
+              <a:rPr lang="en-US" sz="1200" dirty="0" err="1" smtClean="0">
+                <a:latin typeface="Inconsolata"/>
+                <a:cs typeface="Inconsolata"/>
+              </a:rPr>
+              <a:t>FunctionService.onServer</a:t>
+            </a:r>
+            <a:r>
+              <a:rPr lang="en-US" sz="1200" dirty="0" smtClean="0">
+                <a:latin typeface="Inconsolata"/>
+                <a:cs typeface="Inconsolata"/>
+              </a:rPr>
+              <a:t>(</a:t>
+            </a:r>
+            <a:r>
+              <a:rPr lang="en-US" sz="1200" dirty="0">
+                <a:latin typeface="Inconsolata"/>
+                <a:cs typeface="Inconsolata"/>
+              </a:rPr>
+              <a:t>pool).</a:t>
+            </a:r>
+            <a:r>
+              <a:rPr lang="en-US" sz="1200" dirty="0" err="1">
+                <a:latin typeface="Inconsolata"/>
+                <a:cs typeface="Inconsolata"/>
+              </a:rPr>
+              <a:t>withArgs</a:t>
+            </a:r>
+            <a:r>
+              <a:rPr lang="en-US" sz="1200" dirty="0">
+                <a:latin typeface="Inconsolata"/>
+                <a:cs typeface="Inconsolata"/>
+              </a:rPr>
+              <a:t>(data).execute(“</a:t>
+            </a:r>
+            <a:r>
+              <a:rPr lang="en-US" sz="1200" dirty="0" err="1">
+                <a:latin typeface="Inconsolata"/>
+                <a:cs typeface="Inconsolata"/>
+              </a:rPr>
+              <a:t>MyFunction</a:t>
+            </a:r>
+            <a:r>
+              <a:rPr lang="en-US" sz="1200" dirty="0">
+                <a:latin typeface="Inconsolata"/>
+                <a:cs typeface="Inconsolata"/>
+              </a:rPr>
+              <a:t>”)</a:t>
+            </a:r>
+            <a:r>
+              <a:rPr lang="en-US" sz="1200" dirty="0" smtClean="0">
+                <a:latin typeface="Inconsolata"/>
+                <a:cs typeface="Inconsolata"/>
+              </a:rPr>
+              <a:t>;</a:t>
             </a:r>
           </a:p>
           <a:p>
@@ -10328,62 +11085,10 @@
               </a:spcBef>
               <a:buNone/>
             </a:pPr>
-            <a:r>
-              <a:rPr lang="en-US" sz="1000" dirty="0">
-                <a:latin typeface="Inconsolata"/>
-                <a:cs typeface="Inconsolata"/>
-              </a:rPr>
-              <a:t> </a:t>
-            </a:r>
-            <a:r>
-              <a:rPr lang="en-US" sz="1000" dirty="0" smtClean="0">
-                <a:latin typeface="Inconsolata"/>
-                <a:cs typeface="Inconsolata"/>
-              </a:rPr>
-              <a:t>        </a:t>
-            </a:r>
-            <a:r>
-              <a:rPr lang="en-US" sz="1000" dirty="0" err="1" smtClean="0">
-                <a:latin typeface="Inconsolata"/>
-                <a:cs typeface="Inconsolata"/>
-              </a:rPr>
-              <a:t>MyData</a:t>
-            </a:r>
-            <a:r>
-              <a:rPr lang="en-US" sz="1000" dirty="0" smtClean="0">
-                <a:latin typeface="Inconsolata"/>
-                <a:cs typeface="Inconsolata"/>
-              </a:rPr>
-              <a:t> data = (</a:t>
-            </a:r>
-            <a:r>
-              <a:rPr lang="en-US" sz="1000" dirty="0" err="1" smtClean="0">
-                <a:latin typeface="Inconsolata"/>
-                <a:cs typeface="Inconsolata"/>
-              </a:rPr>
-              <a:t>MyData</a:t>
-            </a:r>
-            <a:r>
-              <a:rPr lang="en-US" sz="1000" dirty="0" smtClean="0">
-                <a:latin typeface="Inconsolata"/>
-                <a:cs typeface="Inconsolata"/>
-              </a:rPr>
-              <a:t>)</a:t>
-            </a:r>
-            <a:r>
-              <a:rPr lang="en-US" sz="1000" dirty="0" err="1" smtClean="0">
-                <a:latin typeface="Inconsolata"/>
-                <a:cs typeface="Inconsolata"/>
-              </a:rPr>
-              <a:t>ctx.getArguments</a:t>
-            </a:r>
-            <a:r>
-              <a:rPr lang="en-US" sz="1000" dirty="0" smtClean="0">
-                <a:latin typeface="Inconsolata"/>
-                <a:cs typeface="Inconsolata"/>
-              </a:rPr>
-              <a:t>();</a:t>
-            </a:r>
+            <a:endParaRPr lang="en-US" sz="1200" dirty="0">
+              <a:latin typeface="Inconsolata"/>
+              <a:cs typeface="Inconsolata"/>
+            </a:endParaRPr>
           </a:p>
           <a:p>
             <a:pPr marL="0" indent="0">
@@ -10393,19 +11098,37 @@
               <a:buNone/>
             </a:pPr>
             <a:r>
-              <a:rPr lang="en-US" sz="1000" dirty="0">
-                <a:latin typeface="Inconsolata"/>
-                <a:cs typeface="Inconsolata"/>
-              </a:rPr>
-              <a:t> </a:t>
-            </a:r>
-            <a:r>
-              <a:rPr lang="en-US" sz="1000" dirty="0" smtClean="0">
-                <a:latin typeface="Inconsolata"/>
-                <a:cs typeface="Inconsolata"/>
-              </a:rPr>
-              <a:t>        // do something</a:t>
-            </a:r>
+              <a:rPr lang="en-US" sz="1200" dirty="0">
+                <a:latin typeface="Inconsolata"/>
+                <a:cs typeface="Inconsolata"/>
+              </a:rPr>
+              <a:t>// execute </a:t>
+            </a:r>
+            <a:r>
+              <a:rPr lang="en-US" sz="1200" dirty="0" smtClean="0">
+                <a:latin typeface="Inconsolata"/>
+                <a:cs typeface="Inconsolata"/>
+              </a:rPr>
+              <a:t>on servers in group “</a:t>
+            </a:r>
+            <a:r>
+              <a:rPr lang="en-US" sz="1200" dirty="0" err="1" smtClean="0">
+                <a:latin typeface="Inconsolata"/>
+                <a:cs typeface="Inconsolata"/>
+              </a:rPr>
+              <a:t>myGroup</a:t>
+            </a:r>
+            <a:r>
+              <a:rPr lang="en-US" sz="1200" dirty="0" smtClean="0">
+                <a:latin typeface="Inconsolata"/>
+                <a:cs typeface="Inconsolata"/>
+              </a:rPr>
+              <a:t>”</a:t>
+            </a:r>
+            <a:endParaRPr lang="en-US" sz="1200" dirty="0">
+              <a:latin typeface="Inconsolata"/>
+              <a:cs typeface="Inconsolata"/>
+            </a:endParaRPr>
           </a:p>
           <a:p>
             <a:pPr marL="0" indent="0">
@@ -10415,46 +11138,186 @@
               <a:buNone/>
             </a:pPr>
             <a:r>
-              <a:rPr lang="en-US" sz="1000" dirty="0">
-                <a:latin typeface="Inconsolata"/>
-                <a:cs typeface="Inconsolata"/>
-              </a:rPr>
-              <a:t> </a:t>
-            </a:r>
-            <a:r>
-              <a:rPr lang="en-US" sz="1000" dirty="0" smtClean="0">
-                <a:latin typeface="Inconsolata"/>
-                <a:cs typeface="Inconsolata"/>
-              </a:rPr>
-              <a:t>        </a:t>
-            </a:r>
-            <a:r>
-              <a:rPr lang="en-US" sz="1000" dirty="0" err="1" smtClean="0">
-                <a:latin typeface="Inconsolata"/>
-                <a:cs typeface="Inconsolata"/>
-              </a:rPr>
-              <a:t>sender.sendResult</a:t>
-            </a:r>
-            <a:r>
-              <a:rPr lang="en-US" sz="1000" dirty="0" smtClean="0">
+              <a:rPr lang="en-US" sz="1200" dirty="0" err="1" smtClean="0">
+                <a:latin typeface="Inconsolata"/>
+                <a:cs typeface="Inconsolata"/>
+              </a:rPr>
+              <a:t>FunctionService.onMembers</a:t>
+            </a:r>
+            <a:r>
+              <a:rPr lang="en-US" sz="1200" dirty="0" smtClean="0">
+                <a:latin typeface="Inconsolata"/>
+                <a:cs typeface="Inconsolata"/>
+              </a:rPr>
+              <a:t>(“</a:t>
+            </a:r>
+            <a:r>
+              <a:rPr lang="en-US" sz="1200" dirty="0" err="1" smtClean="0">
+                <a:latin typeface="Inconsolata"/>
+                <a:cs typeface="Inconsolata"/>
+              </a:rPr>
+              <a:t>myGroup</a:t>
+            </a:r>
+            <a:r>
+              <a:rPr lang="en-US" sz="1200" dirty="0" smtClean="0">
+                <a:latin typeface="Inconsolata"/>
+                <a:cs typeface="Inconsolata"/>
+              </a:rPr>
+              <a:t>”)</a:t>
+            </a:r>
+            <a:r>
+              <a:rPr lang="en-US" sz="1200" dirty="0">
+                <a:latin typeface="Inconsolata"/>
+                <a:cs typeface="Inconsolata"/>
+              </a:rPr>
+              <a:t>.</a:t>
+            </a:r>
+            <a:r>
+              <a:rPr lang="en-US" sz="1200" dirty="0" err="1">
+                <a:latin typeface="Inconsolata"/>
+                <a:cs typeface="Inconsolata"/>
+              </a:rPr>
+              <a:t>withArgs</a:t>
+            </a:r>
+            <a:r>
+              <a:rPr lang="en-US" sz="1200" dirty="0">
+                <a:latin typeface="Inconsolata"/>
+                <a:cs typeface="Inconsolata"/>
+              </a:rPr>
+              <a:t>(data).execute(“</a:t>
+            </a:r>
+            <a:r>
+              <a:rPr lang="en-US" sz="1200" dirty="0" err="1">
+                <a:latin typeface="Inconsolata"/>
+                <a:cs typeface="Inconsolata"/>
+              </a:rPr>
+              <a:t>MyFunction</a:t>
+            </a:r>
+            <a:r>
+              <a:rPr lang="en-US" sz="1200" dirty="0">
+                <a:latin typeface="Inconsolata"/>
+                <a:cs typeface="Inconsolata"/>
+              </a:rPr>
+              <a:t>”)</a:t>
+            </a:r>
+            <a:r>
+              <a:rPr lang="en-US" sz="1200" dirty="0" smtClean="0">
+                <a:latin typeface="Inconsolata"/>
+                <a:cs typeface="Inconsolata"/>
+              </a:rPr>
+              <a:t>;</a:t>
+            </a:r>
+          </a:p>
+          <a:p>
+            <a:pPr marL="0" indent="0">
+              <a:spcBef>
+                <a:spcPts val="0"/>
+              </a:spcBef>
+              <a:buNone/>
+            </a:pPr>
+            <a:endParaRPr lang="en-US" sz="1200" dirty="0" smtClean="0">
+              <a:latin typeface="Inconsolata"/>
+              <a:cs typeface="Inconsolata"/>
+            </a:endParaRPr>
+          </a:p>
+          <a:p>
+            <a:pPr marL="0" indent="0">
+              <a:spcBef>
+                <a:spcPts val="0"/>
+              </a:spcBef>
+              <a:buNone/>
+            </a:pPr>
+            <a:r>
+              <a:rPr lang="en-US" sz="1200" dirty="0" smtClean="0">
+                <a:latin typeface="Inconsolata"/>
+                <a:cs typeface="Inconsolata"/>
+              </a:rPr>
+              <a:t>// execute on one server in group “</a:t>
+            </a:r>
+            <a:r>
+              <a:rPr lang="en-US" sz="1200" dirty="0" err="1" smtClean="0">
+                <a:latin typeface="Inconsolata"/>
+                <a:cs typeface="Inconsolata"/>
+              </a:rPr>
+              <a:t>myGroup</a:t>
+            </a:r>
+            <a:r>
+              <a:rPr lang="en-US" sz="1200" dirty="0" smtClean="0">
+                <a:latin typeface="Inconsolata"/>
+                <a:cs typeface="Inconsolata"/>
+              </a:rPr>
+              <a:t>”</a:t>
+            </a:r>
+          </a:p>
+          <a:p>
+            <a:pPr marL="0" indent="0">
+              <a:spcBef>
+                <a:spcPts val="0"/>
+              </a:spcBef>
+              <a:buNone/>
+            </a:pPr>
+            <a:r>
+              <a:rPr lang="en-US" sz="1200" dirty="0" err="1" smtClean="0">
+                <a:latin typeface="Inconsolata"/>
+                <a:cs typeface="Inconsolata"/>
+              </a:rPr>
+              <a:t>FunctionService.onMember</a:t>
+            </a:r>
+            <a:r>
+              <a:rPr lang="en-US" sz="1200" dirty="0" smtClean="0">
                 <a:latin typeface="Inconsolata"/>
                 <a:cs typeface="Inconsolata"/>
               </a:rPr>
               <a:t>(</a:t>
             </a:r>
             <a:r>
-              <a:rPr lang="en-US" sz="1000" dirty="0" err="1" smtClean="0">
-                <a:latin typeface="Inconsolata"/>
-                <a:cs typeface="Inconsolata"/>
-              </a:rPr>
-              <a:t>anObject</a:t>
-            </a:r>
-            <a:r>
-              <a:rPr lang="en-US" sz="1000" dirty="0" smtClean="0">
-                <a:latin typeface="Inconsolata"/>
-                <a:cs typeface="Inconsolata"/>
-              </a:rPr>
-              <a:t>);</a:t>
+              <a:rPr lang="en-US" sz="1200" dirty="0">
+                <a:latin typeface="Inconsolata"/>
+                <a:cs typeface="Inconsolata"/>
+              </a:rPr>
+              <a:t>“</a:t>
+            </a:r>
+            <a:r>
+              <a:rPr lang="en-US" sz="1200" dirty="0" err="1">
+                <a:latin typeface="Inconsolata"/>
+                <a:cs typeface="Inconsolata"/>
+              </a:rPr>
+              <a:t>myGroup</a:t>
+            </a:r>
+            <a:r>
+              <a:rPr lang="en-US" sz="1200" dirty="0">
+                <a:latin typeface="Inconsolata"/>
+                <a:cs typeface="Inconsolata"/>
+              </a:rPr>
+              <a:t>”).</a:t>
+            </a:r>
+            <a:r>
+              <a:rPr lang="en-US" sz="1200" dirty="0" err="1">
+                <a:latin typeface="Inconsolata"/>
+                <a:cs typeface="Inconsolata"/>
+              </a:rPr>
+              <a:t>withArgs</a:t>
+            </a:r>
+            <a:r>
+              <a:rPr lang="en-US" sz="1200" dirty="0">
+                <a:latin typeface="Inconsolata"/>
+                <a:cs typeface="Inconsolata"/>
+              </a:rPr>
+              <a:t>(data).execute(“</a:t>
+            </a:r>
+            <a:r>
+              <a:rPr lang="en-US" sz="1200" dirty="0" err="1">
+                <a:latin typeface="Inconsolata"/>
+                <a:cs typeface="Inconsolata"/>
+              </a:rPr>
+              <a:t>MyFunction</a:t>
+            </a:r>
+            <a:r>
+              <a:rPr lang="en-US" sz="1200" dirty="0">
+                <a:latin typeface="Inconsolata"/>
+                <a:cs typeface="Inconsolata"/>
+              </a:rPr>
+              <a:t>”);</a:t>
             </a:r>
           </a:p>
           <a:p>
@@ -10464,41 +11327,10 @@
               </a:spcBef>
               <a:buNone/>
             </a:pPr>
-            <a:r>
-              <a:rPr lang="en-US" sz="1000" dirty="0" smtClean="0">
-                <a:latin typeface="Inconsolata"/>
-                <a:cs typeface="Inconsolata"/>
-              </a:rPr>
-              <a:t>         </a:t>
-            </a:r>
-            <a:r>
-              <a:rPr lang="en-US" sz="1000" dirty="0" err="1" smtClean="0">
-                <a:latin typeface="Inconsolata"/>
-                <a:cs typeface="Inconsolata"/>
-              </a:rPr>
-              <a:t>sender.lastResult</a:t>
-            </a:r>
-            <a:r>
-              <a:rPr lang="en-US" sz="1000" dirty="0" smtClean="0">
-                <a:latin typeface="Inconsolata"/>
-                <a:cs typeface="Inconsolata"/>
-              </a:rPr>
-              <a:t>(</a:t>
-            </a:r>
-            <a:r>
-              <a:rPr lang="en-US" sz="1000" dirty="0" err="1" smtClean="0">
-                <a:latin typeface="Inconsolata"/>
-                <a:cs typeface="Inconsolata"/>
-              </a:rPr>
-              <a:t>anotherObject</a:t>
-            </a:r>
-            <a:r>
-              <a:rPr lang="en-US" sz="1000" dirty="0" smtClean="0">
-                <a:latin typeface="Inconsolata"/>
-                <a:cs typeface="Inconsolata"/>
-              </a:rPr>
-              <a:t>);</a:t>
-            </a:r>
+            <a:endParaRPr lang="en-US" sz="1200" dirty="0">
+              <a:latin typeface="Inconsolata"/>
+              <a:cs typeface="Inconsolata"/>
+            </a:endParaRPr>
           </a:p>
           <a:p>
             <a:pPr marL="0" indent="0">
@@ -10507,456 +11339,17 @@
               </a:spcBef>
               <a:buNone/>
             </a:pPr>
-            <a:r>
-              <a:rPr lang="en-US" sz="1000" dirty="0" smtClean="0">
-                <a:latin typeface="Inconsolata"/>
-                <a:cs typeface="Inconsolata"/>
-              </a:rPr>
-              <a:t>      } catch (Exception x) {</a:t>
-            </a:r>
-          </a:p>
-          <a:p>
-            <a:pPr marL="0" indent="0">
-              <a:spcBef>
-                <a:spcPts val="0"/>
-              </a:spcBef>
-              <a:buNone/>
-            </a:pPr>
-            <a:r>
-              <a:rPr lang="en-US" sz="1000" dirty="0" smtClean="0">
-                <a:latin typeface="Inconsolata"/>
-                <a:cs typeface="Inconsolata"/>
-              </a:rPr>
-              <a:t>         throw new </a:t>
-            </a:r>
-            <a:r>
-              <a:rPr lang="en-US" sz="1000" dirty="0" err="1" smtClean="0">
-                <a:latin typeface="Inconsolata"/>
-                <a:cs typeface="Inconsolata"/>
-              </a:rPr>
-              <a:t>FunctionException</a:t>
-            </a:r>
-            <a:r>
-              <a:rPr lang="en-US" sz="1000" dirty="0" smtClean="0">
-                <a:latin typeface="Inconsolata"/>
-                <a:cs typeface="Inconsolata"/>
-              </a:rPr>
-              <a:t>(x);</a:t>
-            </a:r>
-          </a:p>
-          <a:p>
-            <a:pPr marL="0" indent="0">
-              <a:spcBef>
-                <a:spcPts val="0"/>
-              </a:spcBef>
-              <a:buNone/>
-            </a:pPr>
-            <a:r>
-              <a:rPr lang="en-US" sz="1000" dirty="0" smtClean="0">
-                <a:latin typeface="Inconsolata"/>
-                <a:cs typeface="Inconsolata"/>
-              </a:rPr>
-              <a:t>      }</a:t>
-            </a:r>
-          </a:p>
-          <a:p>
-            <a:pPr marL="0" indent="0">
-              <a:spcBef>
-                <a:spcPts val="0"/>
-              </a:spcBef>
-              <a:buNone/>
-            </a:pPr>
-            <a:r>
-              <a:rPr lang="en-US" sz="1000" dirty="0">
-                <a:latin typeface="Inconsolata"/>
-                <a:cs typeface="Inconsolata"/>
-              </a:rPr>
-              <a:t> </a:t>
-            </a:r>
-            <a:r>
-              <a:rPr lang="en-US" sz="1000" dirty="0" smtClean="0">
-                <a:latin typeface="Inconsolata"/>
-                <a:cs typeface="Inconsolata"/>
-              </a:rPr>
-              <a:t>  }</a:t>
-            </a:r>
-          </a:p>
-          <a:p>
-            <a:pPr marL="0" indent="0">
-              <a:spcBef>
-                <a:spcPts val="0"/>
-              </a:spcBef>
-              <a:buNone/>
-            </a:pPr>
-            <a:r>
-              <a:rPr lang="en-US" sz="1000" dirty="0">
-                <a:latin typeface="Inconsolata"/>
-                <a:cs typeface="Inconsolata"/>
-              </a:rPr>
-              <a:t> </a:t>
-            </a:r>
-            <a:r>
-              <a:rPr lang="en-US" sz="1000" dirty="0" smtClean="0">
-                <a:latin typeface="Inconsolata"/>
-                <a:cs typeface="Inconsolata"/>
-              </a:rPr>
-              <a:t>  public String </a:t>
-            </a:r>
-            <a:r>
-              <a:rPr lang="en-US" sz="1000" dirty="0" err="1" smtClean="0">
-                <a:latin typeface="Inconsolata"/>
-                <a:cs typeface="Inconsolata"/>
-              </a:rPr>
-              <a:t>getID</a:t>
-            </a:r>
-            <a:r>
-              <a:rPr lang="en-US" sz="1000" dirty="0" smtClean="0">
-                <a:latin typeface="Inconsolata"/>
-                <a:cs typeface="Inconsolata"/>
-              </a:rPr>
-              <a:t>() {</a:t>
-            </a:r>
-          </a:p>
-          <a:p>
-            <a:pPr marL="0" indent="0">
-              <a:spcBef>
-                <a:spcPts val="0"/>
-              </a:spcBef>
-              <a:buNone/>
-            </a:pPr>
-            <a:r>
-              <a:rPr lang="en-US" sz="1000" dirty="0">
-                <a:latin typeface="Inconsolata"/>
-                <a:cs typeface="Inconsolata"/>
-              </a:rPr>
-              <a:t> </a:t>
-            </a:r>
-            <a:r>
-              <a:rPr lang="en-US" sz="1000" dirty="0" smtClean="0">
-                <a:latin typeface="Inconsolata"/>
-                <a:cs typeface="Inconsolata"/>
-              </a:rPr>
-              <a:t>     return “</a:t>
-            </a:r>
-            <a:r>
-              <a:rPr lang="en-US" sz="1000" dirty="0" err="1" smtClean="0">
-                <a:latin typeface="Inconsolata"/>
-                <a:cs typeface="Inconsolata"/>
-              </a:rPr>
-              <a:t>MyFunction</a:t>
-            </a:r>
-            <a:r>
-              <a:rPr lang="en-US" sz="1000" dirty="0" smtClean="0">
-                <a:latin typeface="Inconsolata"/>
-                <a:cs typeface="Inconsolata"/>
-              </a:rPr>
-              <a:t>”;</a:t>
-            </a:r>
-          </a:p>
-          <a:p>
-            <a:pPr marL="0" indent="0">
-              <a:spcBef>
-                <a:spcPts val="0"/>
-              </a:spcBef>
-              <a:buNone/>
-            </a:pPr>
-            <a:r>
-              <a:rPr lang="en-US" sz="1000" dirty="0">
-                <a:latin typeface="Inconsolata"/>
-                <a:cs typeface="Inconsolata"/>
-              </a:rPr>
-              <a:t> </a:t>
-            </a:r>
-            <a:r>
-              <a:rPr lang="en-US" sz="1000" dirty="0" smtClean="0">
-                <a:latin typeface="Inconsolata"/>
-                <a:cs typeface="Inconsolata"/>
-              </a:rPr>
-              <a:t>  }</a:t>
-            </a:r>
-          </a:p>
-          <a:p>
-            <a:pPr marL="0" indent="0">
-              <a:spcBef>
-                <a:spcPts val="0"/>
-              </a:spcBef>
-              <a:buNone/>
-            </a:pPr>
-            <a:r>
-              <a:rPr lang="en-US" sz="1000" dirty="0">
-                <a:latin typeface="Inconsolata"/>
-                <a:cs typeface="Inconsolata"/>
-              </a:rPr>
-              <a:t> </a:t>
-            </a:r>
-            <a:r>
-              <a:rPr lang="en-US" sz="1000" dirty="0" smtClean="0">
-                <a:latin typeface="Inconsolata"/>
-                <a:cs typeface="Inconsolata"/>
-              </a:rPr>
-              <a:t>  public </a:t>
-            </a:r>
-            <a:r>
-              <a:rPr lang="en-US" sz="1000" dirty="0" err="1" smtClean="0">
-                <a:latin typeface="Inconsolata"/>
-                <a:cs typeface="Inconsolata"/>
-              </a:rPr>
-              <a:t>boolean</a:t>
-            </a:r>
-            <a:r>
-              <a:rPr lang="en-US" sz="1000" dirty="0" smtClean="0">
-                <a:latin typeface="Inconsolata"/>
-                <a:cs typeface="Inconsolata"/>
-              </a:rPr>
-              <a:t> </a:t>
-            </a:r>
-            <a:r>
-              <a:rPr lang="en-US" sz="1000" dirty="0" err="1" smtClean="0">
-                <a:latin typeface="Inconsolata"/>
-                <a:cs typeface="Inconsolata"/>
-              </a:rPr>
-              <a:t>isHA</a:t>
-            </a:r>
-            <a:r>
-              <a:rPr lang="en-US" sz="1000" dirty="0" smtClean="0">
-                <a:latin typeface="Inconsolata"/>
-                <a:cs typeface="Inconsolata"/>
-              </a:rPr>
-              <a:t>() {</a:t>
-            </a:r>
-          </a:p>
-          <a:p>
-            <a:pPr marL="0" indent="0">
-              <a:spcBef>
-                <a:spcPts val="0"/>
-              </a:spcBef>
-              <a:buNone/>
-            </a:pPr>
-            <a:r>
-              <a:rPr lang="en-US" sz="1000" dirty="0">
-                <a:latin typeface="Inconsolata"/>
-                <a:cs typeface="Inconsolata"/>
-              </a:rPr>
-              <a:t> </a:t>
-            </a:r>
-            <a:r>
-              <a:rPr lang="en-US" sz="1000" dirty="0" smtClean="0">
-                <a:latin typeface="Inconsolata"/>
-                <a:cs typeface="Inconsolata"/>
-              </a:rPr>
-              <a:t>     return true;</a:t>
-            </a:r>
-          </a:p>
-          <a:p>
-            <a:pPr marL="0" indent="0">
-              <a:spcBef>
-                <a:spcPts val="0"/>
-              </a:spcBef>
-              <a:buNone/>
-            </a:pPr>
-            <a:r>
-              <a:rPr lang="en-US" sz="1000" dirty="0">
-                <a:latin typeface="Inconsolata"/>
-                <a:cs typeface="Inconsolata"/>
-              </a:rPr>
-              <a:t> </a:t>
-            </a:r>
-            <a:r>
-              <a:rPr lang="en-US" sz="1000" dirty="0" smtClean="0">
-                <a:latin typeface="Inconsolata"/>
-                <a:cs typeface="Inconsolata"/>
-              </a:rPr>
-              <a:t>  }</a:t>
-            </a:r>
-          </a:p>
-          <a:p>
-            <a:pPr marL="0" indent="0">
-              <a:spcBef>
-                <a:spcPts val="0"/>
-              </a:spcBef>
-              <a:buNone/>
-            </a:pPr>
-            <a:r>
-              <a:rPr lang="en-US" sz="1000" dirty="0">
-                <a:latin typeface="Inconsolata"/>
-                <a:cs typeface="Inconsolata"/>
-              </a:rPr>
-              <a:t> </a:t>
-            </a:r>
-            <a:r>
-              <a:rPr lang="en-US" sz="1000" dirty="0" smtClean="0">
-                <a:latin typeface="Inconsolata"/>
-                <a:cs typeface="Inconsolata"/>
-              </a:rPr>
-              <a:t>  public </a:t>
-            </a:r>
-            <a:r>
-              <a:rPr lang="en-US" sz="1000" dirty="0" err="1" smtClean="0">
-                <a:latin typeface="Inconsolata"/>
-                <a:cs typeface="Inconsolata"/>
-              </a:rPr>
-              <a:t>boolean</a:t>
-            </a:r>
-            <a:r>
-              <a:rPr lang="en-US" sz="1000" dirty="0" smtClean="0">
-                <a:latin typeface="Inconsolata"/>
-                <a:cs typeface="Inconsolata"/>
-              </a:rPr>
-              <a:t> </a:t>
-            </a:r>
-            <a:r>
-              <a:rPr lang="en-US" sz="1000" dirty="0" err="1" smtClean="0">
-                <a:latin typeface="Inconsolata"/>
-                <a:cs typeface="Inconsolata"/>
-              </a:rPr>
-              <a:t>hasResult</a:t>
-            </a:r>
-            <a:r>
-              <a:rPr lang="en-US" sz="1000" dirty="0" smtClean="0">
-                <a:latin typeface="Inconsolata"/>
-                <a:cs typeface="Inconsolata"/>
-              </a:rPr>
-              <a:t>() {</a:t>
-            </a:r>
-          </a:p>
-          <a:p>
-            <a:pPr marL="0" indent="0">
-              <a:spcBef>
-                <a:spcPts val="0"/>
-              </a:spcBef>
-              <a:buNone/>
-            </a:pPr>
-            <a:r>
-              <a:rPr lang="en-US" sz="1000" dirty="0" smtClean="0">
-                <a:latin typeface="Inconsolata"/>
-                <a:cs typeface="Inconsolata"/>
-              </a:rPr>
-              <a:t>      return true;</a:t>
-            </a:r>
-          </a:p>
-          <a:p>
-            <a:pPr marL="0" indent="0">
-              <a:spcBef>
-                <a:spcPts val="0"/>
-              </a:spcBef>
-              <a:buNone/>
-            </a:pPr>
-            <a:r>
-              <a:rPr lang="en-US" sz="1000" dirty="0" smtClean="0">
-                <a:latin typeface="Inconsolata"/>
-                <a:cs typeface="Inconsolata"/>
-              </a:rPr>
-              <a:t>   }</a:t>
-            </a:r>
-          </a:p>
-          <a:p>
-            <a:pPr marL="0" indent="0">
-              <a:spcBef>
-                <a:spcPts val="0"/>
-              </a:spcBef>
-              <a:buNone/>
-            </a:pPr>
-            <a:r>
-              <a:rPr lang="en-US" sz="1000" dirty="0">
-                <a:latin typeface="Inconsolata"/>
-                <a:cs typeface="Inconsolata"/>
-              </a:rPr>
-              <a:t> </a:t>
-            </a:r>
-            <a:r>
-              <a:rPr lang="en-US" sz="1000" dirty="0" smtClean="0">
-                <a:latin typeface="Inconsolata"/>
-                <a:cs typeface="Inconsolata"/>
-              </a:rPr>
-              <a:t>  public </a:t>
-            </a:r>
-            <a:r>
-              <a:rPr lang="en-US" sz="1000" dirty="0" err="1" smtClean="0">
-                <a:latin typeface="Inconsolata"/>
-                <a:cs typeface="Inconsolata"/>
-              </a:rPr>
-              <a:t>boolean</a:t>
-            </a:r>
-            <a:r>
-              <a:rPr lang="en-US" sz="1000" dirty="0" smtClean="0">
-                <a:latin typeface="Inconsolata"/>
-                <a:cs typeface="Inconsolata"/>
-              </a:rPr>
-              <a:t> </a:t>
-            </a:r>
-            <a:r>
-              <a:rPr lang="en-US" sz="1000" dirty="0" err="1" smtClean="0">
-                <a:latin typeface="Inconsolata"/>
-                <a:cs typeface="Inconsolata"/>
-              </a:rPr>
-              <a:t>optimizeForWrite</a:t>
-            </a:r>
-            <a:r>
-              <a:rPr lang="en-US" sz="1000" dirty="0" smtClean="0">
-                <a:latin typeface="Inconsolata"/>
-                <a:cs typeface="Inconsolata"/>
-              </a:rPr>
-              <a:t>() {</a:t>
-            </a:r>
-          </a:p>
-          <a:p>
-            <a:pPr marL="0" indent="0">
-              <a:spcBef>
-                <a:spcPts val="0"/>
-              </a:spcBef>
-              <a:buNone/>
-            </a:pPr>
-            <a:r>
-              <a:rPr lang="en-US" sz="1000" dirty="0">
-                <a:latin typeface="Inconsolata"/>
-                <a:cs typeface="Inconsolata"/>
-              </a:rPr>
-              <a:t> </a:t>
-            </a:r>
-            <a:r>
-              <a:rPr lang="en-US" sz="1000" dirty="0" smtClean="0">
-                <a:latin typeface="Inconsolata"/>
-                <a:cs typeface="Inconsolata"/>
-              </a:rPr>
-              <a:t>     return true;</a:t>
-            </a:r>
-          </a:p>
-          <a:p>
-            <a:pPr marL="0" indent="0">
-              <a:spcBef>
-                <a:spcPts val="0"/>
-              </a:spcBef>
-              <a:buNone/>
-            </a:pPr>
-            <a:r>
-              <a:rPr lang="en-US" sz="1000" dirty="0" smtClean="0">
-                <a:latin typeface="Inconsolata"/>
-                <a:cs typeface="Inconsolata"/>
-              </a:rPr>
-              <a:t>   }</a:t>
-            </a:r>
-          </a:p>
-          <a:p>
-            <a:pPr marL="0" indent="0">
-              <a:spcBef>
-                <a:spcPts val="0"/>
-              </a:spcBef>
-              <a:buNone/>
-            </a:pPr>
-            <a:r>
-              <a:rPr lang="en-US" sz="1000" dirty="0">
-                <a:latin typeface="Inconsolata"/>
-                <a:cs typeface="Inconsolata"/>
-              </a:rPr>
-              <a:t>}</a:t>
-            </a:r>
+            <a:endParaRPr lang="en-US" sz="1200" dirty="0">
+              <a:latin typeface="Inconsolata"/>
+              <a:cs typeface="Inconsolata"/>
+            </a:endParaRPr>
           </a:p>
         </p:txBody>
       </p:sp>
     </p:spTree>
     <p:extLst>
       <p:ext uri="{BB962C8B-B14F-4D97-AF65-F5344CB8AC3E}">
-        <p14:creationId xmlns:p14="http://schemas.microsoft.com/office/powerpoint/2010/main" val="2640991972"/>
+        <p14:creationId xmlns:p14="http://schemas.microsoft.com/office/powerpoint/2010/main" val="1877242156"/>
       </p:ext>
     </p:extLst>
   </p:cSld>
@@ -11003,11 +11396,7 @@
           <a:p>
             <a:r>
               <a:rPr lang="en-US" dirty="0" smtClean="0"/>
-              <a:t>API – Function:</a:t>
-            </a:r>
-            <a:r>
-              <a:rPr lang="en-US" baseline="0" dirty="0" smtClean="0"/>
-              <a:t> Executing</a:t>
+              <a:t>API – Function: Partition Aware Execution</a:t>
             </a:r>
             <a:endParaRPr lang="en-US" dirty="0"/>
           </a:p>
@@ -11023,20 +11412,14 @@
             <p:ph sz="quarter" idx="10"/>
           </p:nvPr>
         </p:nvSpPr>
-        <p:spPr>
-          <a:xfrm>
-            <a:off x="375069" y="1083093"/>
-            <a:ext cx="8410575" cy="3382962"/>
-          </a:xfrm>
-        </p:spPr>
+        <p:spPr/>
         <p:txBody>
-          <a:bodyPr/>
+          <a:bodyPr>
+            <a:normAutofit/>
+          </a:bodyPr>
           <a:lstStyle/>
           <a:p>
             <a:pPr marL="0" indent="0">
-              <a:spcBef>
-                <a:spcPts val="0"/>
-              </a:spcBef>
               <a:buNone/>
             </a:pPr>
             <a:r>
@@ -11056,36 +11439,86 @@
           </a:p>
           <a:p>
             <a:pPr marL="0" indent="0">
-              <a:spcBef>
-                <a:spcPts val="0"/>
-              </a:spcBef>
               <a:buNone/>
             </a:pPr>
-            <a:endParaRPr lang="en-US" sz="1200" dirty="0" smtClean="0">
-              <a:latin typeface="Inconsolata"/>
-              <a:cs typeface="Inconsolata"/>
-            </a:endParaRPr>
+            <a:r>
+              <a:rPr lang="en-US" sz="1200" dirty="0" smtClean="0">
+                <a:latin typeface="Inconsolata"/>
+                <a:cs typeface="Inconsolata"/>
+              </a:rPr>
+              <a:t>Set&lt;</a:t>
+            </a:r>
+            <a:r>
+              <a:rPr lang="en-US" sz="1200" dirty="0" err="1" smtClean="0">
+                <a:latin typeface="Inconsolata"/>
+                <a:cs typeface="Inconsolata"/>
+              </a:rPr>
+              <a:t>MyKey</a:t>
+            </a:r>
+            <a:r>
+              <a:rPr lang="en-US" sz="1200" dirty="0" smtClean="0">
+                <a:latin typeface="Inconsolata"/>
+                <a:cs typeface="Inconsolata"/>
+              </a:rPr>
+              <a:t>&gt; filter = new </a:t>
+            </a:r>
+            <a:r>
+              <a:rPr lang="en-US" sz="1200" dirty="0" err="1" smtClean="0">
+                <a:latin typeface="Inconsolata"/>
+                <a:cs typeface="Inconsolata"/>
+              </a:rPr>
+              <a:t>HashSet</a:t>
+            </a:r>
+            <a:r>
+              <a:rPr lang="en-US" sz="1200" dirty="0" smtClean="0">
+                <a:latin typeface="Inconsolata"/>
+                <a:cs typeface="Inconsolata"/>
+              </a:rPr>
+              <a:t>&lt;&gt;();</a:t>
+            </a:r>
           </a:p>
           <a:p>
             <a:pPr marL="0" indent="0">
-              <a:spcBef>
-                <a:spcPts val="0"/>
-              </a:spcBef>
               <a:buNone/>
             </a:pPr>
             <a:r>
+              <a:rPr lang="en-US" sz="1200" dirty="0" err="1">
+                <a:latin typeface="Inconsolata"/>
+                <a:cs typeface="Inconsolata"/>
+              </a:rPr>
+              <a:t>f</a:t>
+            </a:r>
+            <a:r>
+              <a:rPr lang="en-US" sz="1200" dirty="0" err="1" smtClean="0">
+                <a:latin typeface="Inconsolata"/>
+                <a:cs typeface="Inconsolata"/>
+              </a:rPr>
+              <a:t>ilter.add</a:t>
+            </a:r>
+            <a:r>
               <a:rPr lang="en-US" sz="1200" dirty="0" smtClean="0">
                 <a:latin typeface="Inconsolata"/>
                 <a:cs typeface="Inconsolata"/>
               </a:rPr>
-              <a:t>// execute on all servers from client</a:t>
+              <a:t>(new </a:t>
+            </a:r>
+            <a:r>
+              <a:rPr lang="en-US" sz="1200" dirty="0" err="1" smtClean="0">
+                <a:latin typeface="Inconsolata"/>
+                <a:cs typeface="Inconsolata"/>
+              </a:rPr>
+              <a:t>MyKey</a:t>
+            </a:r>
+            <a:r>
+              <a:rPr lang="en-US" sz="1200" dirty="0" smtClean="0">
+                <a:latin typeface="Inconsolata"/>
+                <a:cs typeface="Inconsolata"/>
+              </a:rPr>
+              <a:t>(…)); // repeat for other keys</a:t>
             </a:r>
           </a:p>
           <a:p>
             <a:pPr marL="0" indent="0">
-              <a:spcBef>
-                <a:spcPts val="0"/>
-              </a:spcBef>
               <a:buNone/>
             </a:pPr>
             <a:r>
@@ -11093,14 +11526,14 @@
                 <a:latin typeface="Inconsolata"/>
                 <a:cs typeface="Inconsolata"/>
               </a:rPr>
-              <a:t>FunctionService.onServers</a:t>
+              <a:t>FunctionService.onRegion</a:t>
             </a:r>
             <a:r>
               <a:rPr lang="en-US" sz="1200" dirty="0" smtClean="0">
                 <a:latin typeface="Inconsolata"/>
                 <a:cs typeface="Inconsolata"/>
               </a:rPr>
-              <a:t>(pool).</a:t>
+              <a:t>(region).</a:t>
             </a:r>
             <a:r>
               <a:rPr lang="en-US" sz="1200" dirty="0" err="1" smtClean="0">
@@ -11114,13 +11547,27 @@
                 <a:latin typeface="Inconsolata"/>
                 <a:cs typeface="Inconsolata"/>
               </a:rPr>
-              <a:t>(data).execute(“</a:t>
+              <a:t>(data).</a:t>
             </a:r>
             <a:r>
               <a:rPr lang="en-US" sz="1200" dirty="0" err="1" smtClean="0">
                 <a:latin typeface="Inconsolata"/>
                 <a:cs typeface="Inconsolata"/>
               </a:rPr>
+              <a:t>withFilter</a:t>
+            </a:r>
+            <a:r>
+              <a:rPr lang="en-US" sz="1200" dirty="0" smtClean="0">
+                <a:latin typeface="Inconsolata"/>
+                <a:cs typeface="Inconsolata"/>
+              </a:rPr>
+              <a:t>(filter).execute(“</a:t>
+            </a:r>
+            <a:r>
+              <a:rPr lang="en-US" sz="1200" dirty="0" err="1" smtClean="0">
+                <a:latin typeface="Inconsolata"/>
+                <a:cs typeface="Inconsolata"/>
+              </a:rPr>
               <a:t>MyFunction</a:t>
             </a:r>
             <a:r>
@@ -11130,359 +11577,6 @@
               </a:rPr>
               <a:t>”);</a:t>
             </a:r>
-          </a:p>
-          <a:p>
-            <a:pPr marL="0" indent="0">
-              <a:spcBef>
-                <a:spcPts val="0"/>
-              </a:spcBef>
-              <a:buNone/>
-            </a:pPr>
-            <a:endParaRPr lang="en-US" sz="1200" dirty="0" smtClean="0">
-              <a:latin typeface="Inconsolata"/>
-              <a:cs typeface="Inconsolata"/>
-            </a:endParaRPr>
-          </a:p>
-          <a:p>
-            <a:pPr marL="0" indent="0">
-              <a:spcBef>
-                <a:spcPts val="0"/>
-              </a:spcBef>
-              <a:buNone/>
-            </a:pPr>
-            <a:r>
-              <a:rPr lang="en-US" sz="1200" dirty="0" smtClean="0">
-                <a:latin typeface="Inconsolata"/>
-                <a:cs typeface="Inconsolata"/>
-              </a:rPr>
-              <a:t>// execute on one server from client</a:t>
-            </a:r>
-          </a:p>
-          <a:p>
-            <a:pPr marL="0" indent="0">
-              <a:spcBef>
-                <a:spcPts val="0"/>
-              </a:spcBef>
-              <a:buNone/>
-            </a:pPr>
-            <a:r>
-              <a:rPr lang="en-US" sz="1200" dirty="0" err="1" smtClean="0">
-                <a:latin typeface="Inconsolata"/>
-                <a:cs typeface="Inconsolata"/>
-              </a:rPr>
-              <a:t>FunctionService.onServer</a:t>
-            </a:r>
-            <a:r>
-              <a:rPr lang="en-US" sz="1200" dirty="0" smtClean="0">
-                <a:latin typeface="Inconsolata"/>
-                <a:cs typeface="Inconsolata"/>
-              </a:rPr>
-              <a:t>(</a:t>
-            </a:r>
-            <a:r>
-              <a:rPr lang="en-US" sz="1200" dirty="0">
-                <a:latin typeface="Inconsolata"/>
-                <a:cs typeface="Inconsolata"/>
-              </a:rPr>
-              <a:t>pool).</a:t>
-            </a:r>
-            <a:r>
-              <a:rPr lang="en-US" sz="1200" dirty="0" err="1">
-                <a:latin typeface="Inconsolata"/>
-                <a:cs typeface="Inconsolata"/>
-              </a:rPr>
-              <a:t>withArgs</a:t>
-            </a:r>
-            <a:r>
-              <a:rPr lang="en-US" sz="1200" dirty="0">
-                <a:latin typeface="Inconsolata"/>
-                <a:cs typeface="Inconsolata"/>
-              </a:rPr>
-              <a:t>(data).execute(“</a:t>
-            </a:r>
-            <a:r>
-              <a:rPr lang="en-US" sz="1200" dirty="0" err="1">
-                <a:latin typeface="Inconsolata"/>
-                <a:cs typeface="Inconsolata"/>
-              </a:rPr>
-              <a:t>MyFunction</a:t>
-            </a:r>
-            <a:r>
-              <a:rPr lang="en-US" sz="1200" dirty="0">
-                <a:latin typeface="Inconsolata"/>
-                <a:cs typeface="Inconsolata"/>
-              </a:rPr>
-              <a:t>”)</a:t>
-            </a:r>
-            <a:r>
-              <a:rPr lang="en-US" sz="1200" dirty="0" smtClean="0">
-                <a:latin typeface="Inconsolata"/>
-                <a:cs typeface="Inconsolata"/>
-              </a:rPr>
-              <a:t>;</a:t>
-            </a:r>
-          </a:p>
-          <a:p>
-            <a:pPr marL="0" indent="0">
-              <a:spcBef>
-                <a:spcPts val="0"/>
-              </a:spcBef>
-              <a:buNone/>
-            </a:pPr>
-            <a:endParaRPr lang="en-US" sz="1200" dirty="0">
-              <a:latin typeface="Inconsolata"/>
-              <a:cs typeface="Inconsolata"/>
-            </a:endParaRPr>
-          </a:p>
-          <a:p>
-            <a:pPr marL="0" indent="0">
-              <a:spcBef>
-                <a:spcPts val="0"/>
-              </a:spcBef>
-              <a:buNone/>
-            </a:pPr>
-            <a:r>
-              <a:rPr lang="en-US" sz="1200" dirty="0">
-                <a:latin typeface="Inconsolata"/>
-                <a:cs typeface="Inconsolata"/>
-              </a:rPr>
-              <a:t>// execute </a:t>
-            </a:r>
-            <a:r>
-              <a:rPr lang="en-US" sz="1200" dirty="0" smtClean="0">
-                <a:latin typeface="Inconsolata"/>
-                <a:cs typeface="Inconsolata"/>
-              </a:rPr>
-              <a:t>on servers in group “</a:t>
-            </a:r>
-            <a:r>
-              <a:rPr lang="en-US" sz="1200" dirty="0" err="1" smtClean="0">
-                <a:latin typeface="Inconsolata"/>
-                <a:cs typeface="Inconsolata"/>
-              </a:rPr>
-              <a:t>myGroup</a:t>
-            </a:r>
-            <a:r>
-              <a:rPr lang="en-US" sz="1200" dirty="0" smtClean="0">
-                <a:latin typeface="Inconsolata"/>
-                <a:cs typeface="Inconsolata"/>
-              </a:rPr>
-              <a:t>”</a:t>
-            </a:r>
-            <a:endParaRPr lang="en-US" sz="1200" dirty="0">
-              <a:latin typeface="Inconsolata"/>
-              <a:cs typeface="Inconsolata"/>
-            </a:endParaRPr>
-          </a:p>
-          <a:p>
-            <a:pPr marL="0" indent="0">
-              <a:spcBef>
-                <a:spcPts val="0"/>
-              </a:spcBef>
-              <a:buNone/>
-            </a:pPr>
-            <a:r>
-              <a:rPr lang="en-US" sz="1200" dirty="0" err="1" smtClean="0">
-                <a:latin typeface="Inconsolata"/>
-                <a:cs typeface="Inconsolata"/>
-              </a:rPr>
-              <a:t>FunctionService.onMembers</a:t>
-            </a:r>
-            <a:r>
-              <a:rPr lang="en-US" sz="1200" dirty="0" smtClean="0">
-                <a:latin typeface="Inconsolata"/>
-                <a:cs typeface="Inconsolata"/>
-              </a:rPr>
-              <a:t>(“</a:t>
-            </a:r>
-            <a:r>
-              <a:rPr lang="en-US" sz="1200" dirty="0" err="1" smtClean="0">
-                <a:latin typeface="Inconsolata"/>
-                <a:cs typeface="Inconsolata"/>
-              </a:rPr>
-              <a:t>myGroup</a:t>
-            </a:r>
-            <a:r>
-              <a:rPr lang="en-US" sz="1200" dirty="0" smtClean="0">
-                <a:latin typeface="Inconsolata"/>
-                <a:cs typeface="Inconsolata"/>
-              </a:rPr>
-              <a:t>”)</a:t>
-            </a:r>
-            <a:r>
-              <a:rPr lang="en-US" sz="1200" dirty="0">
-                <a:latin typeface="Inconsolata"/>
-                <a:cs typeface="Inconsolata"/>
-              </a:rPr>
-              <a:t>.</a:t>
-            </a:r>
-            <a:r>
-              <a:rPr lang="en-US" sz="1200" dirty="0" err="1">
-                <a:latin typeface="Inconsolata"/>
-                <a:cs typeface="Inconsolata"/>
-              </a:rPr>
-              <a:t>withArgs</a:t>
-            </a:r>
-            <a:r>
-              <a:rPr lang="en-US" sz="1200" dirty="0">
-                <a:latin typeface="Inconsolata"/>
-                <a:cs typeface="Inconsolata"/>
-              </a:rPr>
-              <a:t>(data).execute(“</a:t>
-            </a:r>
-            <a:r>
-              <a:rPr lang="en-US" sz="1200" dirty="0" err="1">
-                <a:latin typeface="Inconsolata"/>
-                <a:cs typeface="Inconsolata"/>
-              </a:rPr>
-              <a:t>MyFunction</a:t>
-            </a:r>
-            <a:r>
-              <a:rPr lang="en-US" sz="1200" dirty="0">
-                <a:latin typeface="Inconsolata"/>
-                <a:cs typeface="Inconsolata"/>
-              </a:rPr>
-              <a:t>”)</a:t>
-            </a:r>
-            <a:r>
-              <a:rPr lang="en-US" sz="1200" dirty="0" smtClean="0">
-                <a:latin typeface="Inconsolata"/>
-                <a:cs typeface="Inconsolata"/>
-              </a:rPr>
-              <a:t>;</a:t>
-            </a:r>
-          </a:p>
-          <a:p>
-            <a:pPr marL="0" indent="0">
-              <a:spcBef>
-                <a:spcPts val="0"/>
-              </a:spcBef>
-              <a:buNone/>
-            </a:pPr>
-            <a:endParaRPr lang="en-US" sz="1200" dirty="0" smtClean="0">
-              <a:latin typeface="Inconsolata"/>
-              <a:cs typeface="Inconsolata"/>
-            </a:endParaRPr>
-          </a:p>
-          <a:p>
-            <a:pPr marL="0" indent="0">
-              <a:spcBef>
-                <a:spcPts val="0"/>
-              </a:spcBef>
-              <a:buNone/>
-            </a:pPr>
-            <a:r>
-              <a:rPr lang="en-US" sz="1200" dirty="0" smtClean="0">
-                <a:latin typeface="Inconsolata"/>
-                <a:cs typeface="Inconsolata"/>
-              </a:rPr>
-              <a:t>// execute on one server in group “</a:t>
-            </a:r>
-            <a:r>
-              <a:rPr lang="en-US" sz="1200" dirty="0" err="1" smtClean="0">
-                <a:latin typeface="Inconsolata"/>
-                <a:cs typeface="Inconsolata"/>
-              </a:rPr>
-              <a:t>myGroup</a:t>
-            </a:r>
-            <a:r>
-              <a:rPr lang="en-US" sz="1200" dirty="0" smtClean="0">
-                <a:latin typeface="Inconsolata"/>
-                <a:cs typeface="Inconsolata"/>
-              </a:rPr>
-              <a:t>”</a:t>
-            </a:r>
-          </a:p>
-          <a:p>
-            <a:pPr marL="0" indent="0">
-              <a:spcBef>
-                <a:spcPts val="0"/>
-              </a:spcBef>
-              <a:buNone/>
-            </a:pPr>
-            <a:r>
-              <a:rPr lang="en-US" sz="1200" dirty="0" err="1" smtClean="0">
-                <a:latin typeface="Inconsolata"/>
-                <a:cs typeface="Inconsolata"/>
-              </a:rPr>
-              <a:t>FunctionService.onMember</a:t>
-            </a:r>
-            <a:r>
-              <a:rPr lang="en-US" sz="1200" dirty="0" smtClean="0">
-                <a:latin typeface="Inconsolata"/>
-                <a:cs typeface="Inconsolata"/>
-              </a:rPr>
-              <a:t>(</a:t>
-            </a:r>
-            <a:r>
-              <a:rPr lang="en-US" sz="1200" dirty="0">
-                <a:latin typeface="Inconsolata"/>
-                <a:cs typeface="Inconsolata"/>
-              </a:rPr>
-              <a:t>“</a:t>
-            </a:r>
-            <a:r>
-              <a:rPr lang="en-US" sz="1200" dirty="0" err="1">
-                <a:latin typeface="Inconsolata"/>
-                <a:cs typeface="Inconsolata"/>
-              </a:rPr>
-              <a:t>myGroup</a:t>
-            </a:r>
-            <a:r>
-              <a:rPr lang="en-US" sz="1200" dirty="0">
-                <a:latin typeface="Inconsolata"/>
-                <a:cs typeface="Inconsolata"/>
-              </a:rPr>
-              <a:t>”).</a:t>
-            </a:r>
-            <a:r>
-              <a:rPr lang="en-US" sz="1200" dirty="0" err="1">
-                <a:latin typeface="Inconsolata"/>
-                <a:cs typeface="Inconsolata"/>
-              </a:rPr>
-              <a:t>withArgs</a:t>
-            </a:r>
-            <a:r>
-              <a:rPr lang="en-US" sz="1200" dirty="0">
-                <a:latin typeface="Inconsolata"/>
-                <a:cs typeface="Inconsolata"/>
-              </a:rPr>
-              <a:t>(data).execute(“</a:t>
-            </a:r>
-            <a:r>
-              <a:rPr lang="en-US" sz="1200" dirty="0" err="1">
-                <a:latin typeface="Inconsolata"/>
-                <a:cs typeface="Inconsolata"/>
-              </a:rPr>
-              <a:t>MyFunction</a:t>
-            </a:r>
-            <a:r>
-              <a:rPr lang="en-US" sz="1200" dirty="0">
-                <a:latin typeface="Inconsolata"/>
-                <a:cs typeface="Inconsolata"/>
-              </a:rPr>
-              <a:t>”);</a:t>
-            </a:r>
-          </a:p>
-          <a:p>
-            <a:pPr marL="0" indent="0">
-              <a:spcBef>
-                <a:spcPts val="0"/>
-              </a:spcBef>
-              <a:buNone/>
-            </a:pPr>
-            <a:endParaRPr lang="en-US" sz="1200" dirty="0">
-              <a:latin typeface="Inconsolata"/>
-              <a:cs typeface="Inconsolata"/>
-            </a:endParaRPr>
-          </a:p>
-          <a:p>
-            <a:pPr marL="0" indent="0">
-              <a:spcBef>
-                <a:spcPts val="0"/>
-              </a:spcBef>
-              <a:buNone/>
-            </a:pPr>
             <a:endParaRPr lang="en-US" sz="1200" dirty="0">
               <a:latin typeface="Inconsolata"/>
               <a:cs typeface="Inconsolata"/>
@@ -11493,7 +11587,7 @@
     </p:spTree>
     <p:extLst>
       <p:ext uri="{BB962C8B-B14F-4D97-AF65-F5344CB8AC3E}">
-        <p14:creationId xmlns:p14="http://schemas.microsoft.com/office/powerpoint/2010/main" val="1877242156"/>
+        <p14:creationId xmlns:p14="http://schemas.microsoft.com/office/powerpoint/2010/main" val="1586324376"/>
       </p:ext>
     </p:extLst>
   </p:cSld>
@@ -11540,244 +11634,6 @@
           <a:p>
             <a:r>
               <a:rPr lang="en-US" dirty="0" smtClean="0"/>
-              <a:t>API – Function: Partition Aware Execution</a:t>
-            </a:r>
-            <a:endParaRPr lang="en-US" dirty="0"/>
-          </a:p>
-        </p:txBody>
-      </p:sp>
-      <p:sp>
-        <p:nvSpPr>
-          <p:cNvPr id="3" name="Content Placeholder 2"/>
-          <p:cNvSpPr>
-            <a:spLocks noGrp="1"/>
-          </p:cNvSpPr>
-          <p:nvPr>
-            <p:ph sz="quarter" idx="10"/>
-          </p:nvPr>
-        </p:nvSpPr>
-        <p:spPr/>
-        <p:txBody>
-          <a:bodyPr>
-            <a:normAutofit/>
-          </a:bodyPr>
-          <a:lstStyle/>
-          <a:p>
-            <a:pPr marL="0" indent="0">
-              <a:buNone/>
-            </a:pPr>
-            <a:r>
-              <a:rPr lang="en-US" sz="1200" dirty="0" err="1" smtClean="0">
-                <a:latin typeface="Inconsolata"/>
-                <a:cs typeface="Inconsolata"/>
-              </a:rPr>
-              <a:t>MyData</a:t>
-            </a:r>
-            <a:r>
-              <a:rPr lang="en-US" sz="1200" dirty="0" smtClean="0">
-                <a:latin typeface="Inconsolata"/>
-                <a:cs typeface="Inconsolata"/>
-              </a:rPr>
-              <a:t> data = …;</a:t>
-            </a:r>
-          </a:p>
-          <a:p>
-            <a:pPr marL="0" indent="0">
-              <a:buNone/>
-            </a:pPr>
-            <a:r>
-              <a:rPr lang="en-US" sz="1200" dirty="0" smtClean="0">
-                <a:latin typeface="Inconsolata"/>
-                <a:cs typeface="Inconsolata"/>
-              </a:rPr>
-              <a:t>Set&lt;</a:t>
-            </a:r>
-            <a:r>
-              <a:rPr lang="en-US" sz="1200" dirty="0" err="1" smtClean="0">
-                <a:latin typeface="Inconsolata"/>
-                <a:cs typeface="Inconsolata"/>
-              </a:rPr>
-              <a:t>MyKey</a:t>
-            </a:r>
-            <a:r>
-              <a:rPr lang="en-US" sz="1200" dirty="0" smtClean="0">
-                <a:latin typeface="Inconsolata"/>
-                <a:cs typeface="Inconsolata"/>
-              </a:rPr>
-              <a:t>&gt; filter = new </a:t>
-            </a:r>
-            <a:r>
-              <a:rPr lang="en-US" sz="1200" dirty="0" err="1" smtClean="0">
-                <a:latin typeface="Inconsolata"/>
-                <a:cs typeface="Inconsolata"/>
-              </a:rPr>
-              <a:t>HashSet</a:t>
-            </a:r>
-            <a:r>
-              <a:rPr lang="en-US" sz="1200" dirty="0" smtClean="0">
-                <a:latin typeface="Inconsolata"/>
-                <a:cs typeface="Inconsolata"/>
-              </a:rPr>
-              <a:t>&lt;&gt;();</a:t>
-            </a:r>
-          </a:p>
-          <a:p>
-            <a:pPr marL="0" indent="0">
-              <a:buNone/>
-            </a:pPr>
-            <a:r>
-              <a:rPr lang="en-US" sz="1200" dirty="0" err="1">
-                <a:latin typeface="Inconsolata"/>
-                <a:cs typeface="Inconsolata"/>
-              </a:rPr>
-              <a:t>f</a:t>
-            </a:r>
-            <a:r>
-              <a:rPr lang="en-US" sz="1200" dirty="0" err="1" smtClean="0">
-                <a:latin typeface="Inconsolata"/>
-                <a:cs typeface="Inconsolata"/>
-              </a:rPr>
-              <a:t>ilter.add</a:t>
-            </a:r>
-            <a:r>
-              <a:rPr lang="en-US" sz="1200" dirty="0" smtClean="0">
-                <a:latin typeface="Inconsolata"/>
-                <a:cs typeface="Inconsolata"/>
-              </a:rPr>
-              <a:t>(new </a:t>
-            </a:r>
-            <a:r>
-              <a:rPr lang="en-US" sz="1200" dirty="0" err="1" smtClean="0">
-                <a:latin typeface="Inconsolata"/>
-                <a:cs typeface="Inconsolata"/>
-              </a:rPr>
-              <a:t>MyKey</a:t>
-            </a:r>
-            <a:r>
-              <a:rPr lang="en-US" sz="1200" dirty="0" smtClean="0">
-                <a:latin typeface="Inconsolata"/>
-                <a:cs typeface="Inconsolata"/>
-              </a:rPr>
-              <a:t>(…)); // repeat for other keys</a:t>
-            </a:r>
-          </a:p>
-          <a:p>
-            <a:pPr marL="0" indent="0">
-              <a:buNone/>
-            </a:pPr>
-            <a:r>
-              <a:rPr lang="en-US" sz="1200" dirty="0" err="1" smtClean="0">
-                <a:latin typeface="Inconsolata"/>
-                <a:cs typeface="Inconsolata"/>
-              </a:rPr>
-              <a:t>FunctionService.onRegion</a:t>
-            </a:r>
-            <a:r>
-              <a:rPr lang="en-US" sz="1200" dirty="0" smtClean="0">
-                <a:latin typeface="Inconsolata"/>
-                <a:cs typeface="Inconsolata"/>
-              </a:rPr>
-              <a:t>(region).</a:t>
-            </a:r>
-            <a:r>
-              <a:rPr lang="en-US" sz="1200" dirty="0" err="1" smtClean="0">
-                <a:latin typeface="Inconsolata"/>
-                <a:cs typeface="Inconsolata"/>
-              </a:rPr>
-              <a:t>withArgs</a:t>
-            </a:r>
-            <a:r>
-              <a:rPr lang="en-US" sz="1200" dirty="0" smtClean="0">
-                <a:latin typeface="Inconsolata"/>
-                <a:cs typeface="Inconsolata"/>
-              </a:rPr>
-              <a:t>(data).</a:t>
-            </a:r>
-            <a:r>
-              <a:rPr lang="en-US" sz="1200" dirty="0" err="1" smtClean="0">
-                <a:latin typeface="Inconsolata"/>
-                <a:cs typeface="Inconsolata"/>
-              </a:rPr>
-              <a:t>withFilter</a:t>
-            </a:r>
-            <a:r>
-              <a:rPr lang="en-US" sz="1200" dirty="0" smtClean="0">
-                <a:latin typeface="Inconsolata"/>
-                <a:cs typeface="Inconsolata"/>
-              </a:rPr>
-              <a:t>(filter).execute(“</a:t>
-            </a:r>
-            <a:r>
-              <a:rPr lang="en-US" sz="1200" dirty="0" err="1" smtClean="0">
-                <a:latin typeface="Inconsolata"/>
-                <a:cs typeface="Inconsolata"/>
-              </a:rPr>
-              <a:t>MyFunction</a:t>
-            </a:r>
-            <a:r>
-              <a:rPr lang="en-US" sz="1200" dirty="0" smtClean="0">
-                <a:latin typeface="Inconsolata"/>
-                <a:cs typeface="Inconsolata"/>
-              </a:rPr>
-              <a:t>”);</a:t>
-            </a:r>
-            <a:endParaRPr lang="en-US" sz="1200" dirty="0">
-              <a:latin typeface="Inconsolata"/>
-              <a:cs typeface="Inconsolata"/>
-            </a:endParaRPr>
-          </a:p>
-        </p:txBody>
-      </p:sp>
-    </p:spTree>
-    <p:extLst>
-      <p:ext uri="{BB962C8B-B14F-4D97-AF65-F5344CB8AC3E}">
-        <p14:creationId xmlns:p14="http://schemas.microsoft.com/office/powerpoint/2010/main" val="1586324376"/>
-      </p:ext>
-    </p:extLst>
-  </p:cSld>
-  <p:clrMapOvr>
-    <a:masterClrMapping/>
-  </p:clrMapOvr>
-  <p:transition xmlns:p14="http://schemas.microsoft.com/office/powerpoint/2010/main">
-    <p:fade/>
-  </p:transition>
-</p:sld>
-</file>
-
-<file path=ppt/slides/slide34.xml><?xml version="1.0" encoding="utf-8"?>
-<p:sld xmlns:a="http://schemas.openxmlformats.org/drawingml/2006/main" xmlns:r="http://schemas.openxmlformats.org/officeDocument/2006/relationships" xmlns:p="http://schemas.openxmlformats.org/presentationml/2006/main">
-  <p:cSld>
-    <p:spTree>
-      <p:nvGrpSpPr>
-        <p:cNvPr id="1" name=""/>
-        <p:cNvGrpSpPr/>
-        <p:nvPr/>
-      </p:nvGrpSpPr>
-      <p:grpSpPr>
-        <a:xfrm>
-          <a:off x="0" y="0"/>
-          <a:ext cx="0" cy="0"/>
-          <a:chOff x="0" y="0"/>
-          <a:chExt cx="0" cy="0"/>
-        </a:xfrm>
-      </p:grpSpPr>
-      <p:sp>
-        <p:nvSpPr>
-          <p:cNvPr id="2" name="Title 1"/>
-          <p:cNvSpPr>
-            <a:spLocks noGrp="1"/>
-          </p:cNvSpPr>
-          <p:nvPr>
-            <p:ph type="title"/>
-          </p:nvPr>
-        </p:nvSpPr>
-        <p:spPr/>
-        <p:txBody>
-          <a:bodyPr/>
-          <a:lstStyle/>
-          <a:p>
-            <a:r>
-              <a:rPr lang="en-US" dirty="0" smtClean="0"/>
               <a:t>API – Function: Partition Aware</a:t>
             </a:r>
             <a:r>
@@ -12429,7 +12285,7 @@
 </p:sld>
 </file>
 
-<file path=ppt/slides/slide35.xml><?xml version="1.0" encoding="utf-8"?>
+<file path=ppt/slides/slide34.xml><?xml version="1.0" encoding="utf-8"?>
 <p:sld xmlns:a="http://schemas.openxmlformats.org/drawingml/2006/main" xmlns:r="http://schemas.openxmlformats.org/officeDocument/2006/relationships" xmlns:p="http://schemas.openxmlformats.org/presentationml/2006/main">
   <p:cSld>
     <p:spTree>
